--- a/Grand_Präsi.pptx
+++ b/Grand_Präsi.pptx
@@ -5,34 +5,36 @@
     <p:sldMasterId id="2147483648" r:id="rId1"/>
   </p:sldMasterIdLst>
   <p:notesMasterIdLst>
-    <p:notesMasterId r:id="rId19"/>
+    <p:notesMasterId r:id="rId21"/>
   </p:notesMasterIdLst>
   <p:handoutMasterIdLst>
-    <p:handoutMasterId r:id="rId20"/>
+    <p:handoutMasterId r:id="rId22"/>
   </p:handoutMasterIdLst>
   <p:sldIdLst>
     <p:sldId id="271" r:id="rId2"/>
     <p:sldId id="262" r:id="rId3"/>
     <p:sldId id="260" r:id="rId4"/>
-    <p:sldId id="272" r:id="rId5"/>
-    <p:sldId id="273" r:id="rId6"/>
-    <p:sldId id="274" r:id="rId7"/>
-    <p:sldId id="275" r:id="rId8"/>
-    <p:sldId id="277" r:id="rId9"/>
-    <p:sldId id="276" r:id="rId10"/>
-    <p:sldId id="263" r:id="rId11"/>
-    <p:sldId id="258" r:id="rId12"/>
-    <p:sldId id="259" r:id="rId13"/>
-    <p:sldId id="261" r:id="rId14"/>
-    <p:sldId id="266" r:id="rId15"/>
-    <p:sldId id="267" r:id="rId16"/>
-    <p:sldId id="268" r:id="rId17"/>
-    <p:sldId id="269" r:id="rId18"/>
+    <p:sldId id="274" r:id="rId5"/>
+    <p:sldId id="279" r:id="rId6"/>
+    <p:sldId id="278" r:id="rId7"/>
+    <p:sldId id="280" r:id="rId8"/>
+    <p:sldId id="275" r:id="rId9"/>
+    <p:sldId id="281" r:id="rId10"/>
+    <p:sldId id="273" r:id="rId11"/>
+    <p:sldId id="277" r:id="rId12"/>
+    <p:sldId id="263" r:id="rId13"/>
+    <p:sldId id="258" r:id="rId14"/>
+    <p:sldId id="259" r:id="rId15"/>
+    <p:sldId id="261" r:id="rId16"/>
+    <p:sldId id="266" r:id="rId17"/>
+    <p:sldId id="267" r:id="rId18"/>
+    <p:sldId id="268" r:id="rId19"/>
+    <p:sldId id="269" r:id="rId20"/>
   </p:sldIdLst>
   <p:sldSz cx="9144000" cy="5143500" type="screen16x9"/>
   <p:notesSz cx="6858000" cy="9144000"/>
   <p:custDataLst>
-    <p:tags r:id="rId21"/>
+    <p:tags r:id="rId23"/>
   </p:custDataLst>
   <p:defaultTextStyle>
     <a:defPPr>
@@ -359,7 +361,7 @@
             <a:fld id="{AA592FF2-A4BD-4E98-AC76-A10007E04C10}" type="datetimeFigureOut">
               <a:rPr lang="en-US" smtClean="0"/>
               <a:pPr/>
-              <a:t>2/3/2019</a:t>
+              <a:t>2/4/2019</a:t>
             </a:fld>
             <a:endParaRPr lang="en-US" dirty="0"/>
           </a:p>
@@ -1216,7 +1218,7 @@
             <a:fld id="{AA592FF2-A4BD-4E98-AC76-A10007E04C10}" type="datetimeFigureOut">
               <a:rPr lang="en-US" smtClean="0"/>
               <a:pPr/>
-              <a:t>2/3/2019</a:t>
+              <a:t>2/4/2019</a:t>
             </a:fld>
             <a:endParaRPr lang="en-US" dirty="0"/>
           </a:p>
@@ -2702,7 +2704,7 @@
       </p:grpSpPr>
       <p:sp>
         <p:nvSpPr>
-          <p:cNvPr id="2" name="Slide Image Placeholder 1"/>
+          <p:cNvPr id="8" name="Slide Image Placeholder 7"/>
           <p:cNvSpPr>
             <a:spLocks noGrp="1" noRot="1" noChangeAspect="1"/>
           </p:cNvSpPr>
@@ -2710,7 +2712,7 @@
             <p:ph type="sldImg"/>
           </p:nvPr>
         </p:nvSpPr>
-        <p:spPr>
+        <p:spPr bwMode="gray">
           <a:xfrm>
             <a:off x="876300" y="885825"/>
             <a:ext cx="5576888" cy="3136900"/>
@@ -2719,7 +2721,7 @@
       </p:sp>
       <p:sp>
         <p:nvSpPr>
-          <p:cNvPr id="3" name="Notes Placeholder 2"/>
+          <p:cNvPr id="9" name="Notes Placeholder 8"/>
           <p:cNvSpPr>
             <a:spLocks noGrp="1"/>
           </p:cNvSpPr>
@@ -2727,7 +2729,7 @@
             <p:ph type="body" idx="1"/>
           </p:nvPr>
         </p:nvSpPr>
-        <p:spPr/>
+        <p:spPr bwMode="gray"/>
         <p:txBody>
           <a:bodyPr/>
           <a:lstStyle/>
@@ -2738,7 +2740,7 @@
       </p:sp>
       <p:sp>
         <p:nvSpPr>
-          <p:cNvPr id="4" name="Slide Number Placeholder 3"/>
+          <p:cNvPr id="10" name="Slide Number Placeholder 9"/>
           <p:cNvSpPr>
             <a:spLocks noGrp="1"/>
           </p:cNvSpPr>
@@ -2758,7 +2760,7 @@
             <a:fld id="{4CBF50E3-ED67-46F2-ABFC-A36EE1082CF7}" type="slidenum">
               <a:rPr lang="en-US" b="1" smtClean="0"/>
               <a:pPr/>
-              <a:t>16</a:t>
+              <a:t>15</a:t>
             </a:fld>
             <a:endParaRPr lang="en-US" b="1" dirty="0"/>
           </a:p>
@@ -2767,7 +2769,7 @@
     </p:spTree>
     <p:extLst>
       <p:ext uri="{BB962C8B-B14F-4D97-AF65-F5344CB8AC3E}">
-        <p14:creationId xmlns:p14="http://schemas.microsoft.com/office/powerpoint/2010/main" val="691679009"/>
+        <p14:creationId xmlns:p14="http://schemas.microsoft.com/office/powerpoint/2010/main" val="1254936349"/>
       </p:ext>
     </p:extLst>
   </p:cSld>
@@ -2852,7 +2854,289 @@
             <a:fld id="{4CBF50E3-ED67-46F2-ABFC-A36EE1082CF7}" type="slidenum">
               <a:rPr lang="en-US" b="1" smtClean="0"/>
               <a:pPr/>
+              <a:t>16</a:t>
+            </a:fld>
+            <a:endParaRPr lang="en-US" b="1" dirty="0"/>
+          </a:p>
+        </p:txBody>
+      </p:sp>
+    </p:spTree>
+    <p:extLst>
+      <p:ext uri="{BB962C8B-B14F-4D97-AF65-F5344CB8AC3E}">
+        <p14:creationId xmlns:p14="http://schemas.microsoft.com/office/powerpoint/2010/main" val="1584324230"/>
+      </p:ext>
+    </p:extLst>
+  </p:cSld>
+  <p:clrMapOvr>
+    <a:masterClrMapping/>
+  </p:clrMapOvr>
+</p:notes>
+</file>
+
+<file path=ppt/notesSlides/notesSlide12.xml><?xml version="1.0" encoding="utf-8"?>
+<p:notes xmlns:a="http://schemas.openxmlformats.org/drawingml/2006/main" xmlns:r="http://schemas.openxmlformats.org/officeDocument/2006/relationships" xmlns:p="http://schemas.openxmlformats.org/presentationml/2006/main">
+  <p:cSld>
+    <p:spTree>
+      <p:nvGrpSpPr>
+        <p:cNvPr id="1" name=""/>
+        <p:cNvGrpSpPr/>
+        <p:nvPr/>
+      </p:nvGrpSpPr>
+      <p:grpSpPr>
+        <a:xfrm>
+          <a:off x="0" y="0"/>
+          <a:ext cx="0" cy="0"/>
+          <a:chOff x="0" y="0"/>
+          <a:chExt cx="0" cy="0"/>
+        </a:xfrm>
+      </p:grpSpPr>
+      <p:sp>
+        <p:nvSpPr>
+          <p:cNvPr id="2" name="Slide Image Placeholder 1"/>
+          <p:cNvSpPr>
+            <a:spLocks noGrp="1" noRot="1" noChangeAspect="1"/>
+          </p:cNvSpPr>
+          <p:nvPr>
+            <p:ph type="sldImg"/>
+          </p:nvPr>
+        </p:nvSpPr>
+        <p:spPr>
+          <a:xfrm>
+            <a:off x="876300" y="885825"/>
+            <a:ext cx="5576888" cy="3136900"/>
+          </a:xfrm>
+        </p:spPr>
+      </p:sp>
+      <p:sp>
+        <p:nvSpPr>
+          <p:cNvPr id="3" name="Notes Placeholder 2"/>
+          <p:cNvSpPr>
+            <a:spLocks noGrp="1"/>
+          </p:cNvSpPr>
+          <p:nvPr>
+            <p:ph type="body" idx="1"/>
+          </p:nvPr>
+        </p:nvSpPr>
+        <p:spPr/>
+        <p:txBody>
+          <a:bodyPr/>
+          <a:lstStyle/>
+          <a:p>
+            <a:endParaRPr lang="en-US"/>
+          </a:p>
+        </p:txBody>
+      </p:sp>
+      <p:sp>
+        <p:nvSpPr>
+          <p:cNvPr id="4" name="Slide Number Placeholder 3"/>
+          <p:cNvSpPr>
+            <a:spLocks noGrp="1"/>
+          </p:cNvSpPr>
+          <p:nvPr>
+            <p:ph type="sldNum" sz="quarter" idx="10"/>
+          </p:nvPr>
+        </p:nvSpPr>
+        <p:spPr/>
+        <p:txBody>
+          <a:bodyPr/>
+          <a:lstStyle/>
+          <a:p>
+            <a:r>
+              <a:rPr lang="en-US"/>
+              <a:t>Chart </a:t>
+            </a:r>
+            <a:fld id="{4CBF50E3-ED67-46F2-ABFC-A36EE1082CF7}" type="slidenum">
+              <a:rPr lang="en-US" b="1" smtClean="0"/>
+              <a:pPr/>
               <a:t>17</a:t>
+            </a:fld>
+            <a:endParaRPr lang="en-US" b="1" dirty="0"/>
+          </a:p>
+        </p:txBody>
+      </p:sp>
+    </p:spTree>
+    <p:extLst>
+      <p:ext uri="{BB962C8B-B14F-4D97-AF65-F5344CB8AC3E}">
+        <p14:creationId xmlns:p14="http://schemas.microsoft.com/office/powerpoint/2010/main" val="128533741"/>
+      </p:ext>
+    </p:extLst>
+  </p:cSld>
+  <p:clrMapOvr>
+    <a:masterClrMapping/>
+  </p:clrMapOvr>
+</p:notes>
+</file>
+
+<file path=ppt/notesSlides/notesSlide13.xml><?xml version="1.0" encoding="utf-8"?>
+<p:notes xmlns:a="http://schemas.openxmlformats.org/drawingml/2006/main" xmlns:r="http://schemas.openxmlformats.org/officeDocument/2006/relationships" xmlns:p="http://schemas.openxmlformats.org/presentationml/2006/main">
+  <p:cSld>
+    <p:spTree>
+      <p:nvGrpSpPr>
+        <p:cNvPr id="1" name=""/>
+        <p:cNvGrpSpPr/>
+        <p:nvPr/>
+      </p:nvGrpSpPr>
+      <p:grpSpPr>
+        <a:xfrm>
+          <a:off x="0" y="0"/>
+          <a:ext cx="0" cy="0"/>
+          <a:chOff x="0" y="0"/>
+          <a:chExt cx="0" cy="0"/>
+        </a:xfrm>
+      </p:grpSpPr>
+      <p:sp>
+        <p:nvSpPr>
+          <p:cNvPr id="2" name="Slide Image Placeholder 1"/>
+          <p:cNvSpPr>
+            <a:spLocks noGrp="1" noRot="1" noChangeAspect="1"/>
+          </p:cNvSpPr>
+          <p:nvPr>
+            <p:ph type="sldImg"/>
+          </p:nvPr>
+        </p:nvSpPr>
+        <p:spPr>
+          <a:xfrm>
+            <a:off x="876300" y="885825"/>
+            <a:ext cx="5576888" cy="3136900"/>
+          </a:xfrm>
+        </p:spPr>
+      </p:sp>
+      <p:sp>
+        <p:nvSpPr>
+          <p:cNvPr id="3" name="Notes Placeholder 2"/>
+          <p:cNvSpPr>
+            <a:spLocks noGrp="1"/>
+          </p:cNvSpPr>
+          <p:nvPr>
+            <p:ph type="body" idx="1"/>
+          </p:nvPr>
+        </p:nvSpPr>
+        <p:spPr/>
+        <p:txBody>
+          <a:bodyPr/>
+          <a:lstStyle/>
+          <a:p>
+            <a:endParaRPr lang="en-US"/>
+          </a:p>
+        </p:txBody>
+      </p:sp>
+      <p:sp>
+        <p:nvSpPr>
+          <p:cNvPr id="4" name="Slide Number Placeholder 3"/>
+          <p:cNvSpPr>
+            <a:spLocks noGrp="1"/>
+          </p:cNvSpPr>
+          <p:nvPr>
+            <p:ph type="sldNum" sz="quarter" idx="10"/>
+          </p:nvPr>
+        </p:nvSpPr>
+        <p:spPr/>
+        <p:txBody>
+          <a:bodyPr/>
+          <a:lstStyle/>
+          <a:p>
+            <a:r>
+              <a:rPr lang="en-US"/>
+              <a:t>Chart </a:t>
+            </a:r>
+            <a:fld id="{4CBF50E3-ED67-46F2-ABFC-A36EE1082CF7}" type="slidenum">
+              <a:rPr lang="en-US" b="1" smtClean="0"/>
+              <a:pPr/>
+              <a:t>18</a:t>
+            </a:fld>
+            <a:endParaRPr lang="en-US" b="1" dirty="0"/>
+          </a:p>
+        </p:txBody>
+      </p:sp>
+    </p:spTree>
+    <p:extLst>
+      <p:ext uri="{BB962C8B-B14F-4D97-AF65-F5344CB8AC3E}">
+        <p14:creationId xmlns:p14="http://schemas.microsoft.com/office/powerpoint/2010/main" val="691679009"/>
+      </p:ext>
+    </p:extLst>
+  </p:cSld>
+  <p:clrMapOvr>
+    <a:masterClrMapping/>
+  </p:clrMapOvr>
+</p:notes>
+</file>
+
+<file path=ppt/notesSlides/notesSlide14.xml><?xml version="1.0" encoding="utf-8"?>
+<p:notes xmlns:a="http://schemas.openxmlformats.org/drawingml/2006/main" xmlns:r="http://schemas.openxmlformats.org/officeDocument/2006/relationships" xmlns:p="http://schemas.openxmlformats.org/presentationml/2006/main">
+  <p:cSld>
+    <p:spTree>
+      <p:nvGrpSpPr>
+        <p:cNvPr id="1" name=""/>
+        <p:cNvGrpSpPr/>
+        <p:nvPr/>
+      </p:nvGrpSpPr>
+      <p:grpSpPr>
+        <a:xfrm>
+          <a:off x="0" y="0"/>
+          <a:ext cx="0" cy="0"/>
+          <a:chOff x="0" y="0"/>
+          <a:chExt cx="0" cy="0"/>
+        </a:xfrm>
+      </p:grpSpPr>
+      <p:sp>
+        <p:nvSpPr>
+          <p:cNvPr id="2" name="Slide Image Placeholder 1"/>
+          <p:cNvSpPr>
+            <a:spLocks noGrp="1" noRot="1" noChangeAspect="1"/>
+          </p:cNvSpPr>
+          <p:nvPr>
+            <p:ph type="sldImg"/>
+          </p:nvPr>
+        </p:nvSpPr>
+        <p:spPr>
+          <a:xfrm>
+            <a:off x="876300" y="885825"/>
+            <a:ext cx="5576888" cy="3136900"/>
+          </a:xfrm>
+        </p:spPr>
+      </p:sp>
+      <p:sp>
+        <p:nvSpPr>
+          <p:cNvPr id="3" name="Notes Placeholder 2"/>
+          <p:cNvSpPr>
+            <a:spLocks noGrp="1"/>
+          </p:cNvSpPr>
+          <p:nvPr>
+            <p:ph type="body" idx="1"/>
+          </p:nvPr>
+        </p:nvSpPr>
+        <p:spPr/>
+        <p:txBody>
+          <a:bodyPr/>
+          <a:lstStyle/>
+          <a:p>
+            <a:endParaRPr lang="en-US"/>
+          </a:p>
+        </p:txBody>
+      </p:sp>
+      <p:sp>
+        <p:nvSpPr>
+          <p:cNvPr id="4" name="Slide Number Placeholder 3"/>
+          <p:cNvSpPr>
+            <a:spLocks noGrp="1"/>
+          </p:cNvSpPr>
+          <p:nvPr>
+            <p:ph type="sldNum" sz="quarter" idx="10"/>
+          </p:nvPr>
+        </p:nvSpPr>
+        <p:spPr/>
+        <p:txBody>
+          <a:bodyPr/>
+          <a:lstStyle/>
+          <a:p>
+            <a:r>
+              <a:rPr lang="en-US"/>
+              <a:t>Chart </a:t>
+            </a:r>
+            <a:fld id="{4CBF50E3-ED67-46F2-ABFC-A36EE1082CF7}" type="slidenum">
+              <a:rPr lang="en-US" b="1" smtClean="0"/>
+              <a:pPr/>
+              <a:t>19</a:t>
             </a:fld>
             <a:endParaRPr lang="en-US" b="1" dirty="0"/>
           </a:p>
@@ -3014,7 +3298,205 @@
           <a:bodyPr/>
           <a:lstStyle/>
           <a:p>
-            <a:endParaRPr lang="en-US"/>
+            <a:r>
+              <a:rPr lang="de-DE" dirty="0"/>
+              <a:t>Last stand: </a:t>
+            </a:r>
+            <a:r>
+              <a:rPr lang="de-DE" dirty="0" err="1"/>
+              <a:t>calApl</a:t>
+            </a:r>
+            <a:r>
+              <a:rPr lang="de-DE" dirty="0"/>
+              <a:t>., same </a:t>
+            </a:r>
+            <a:r>
+              <a:rPr lang="de-DE" dirty="0" err="1"/>
+              <a:t>for</a:t>
+            </a:r>
+            <a:r>
+              <a:rPr lang="de-DE" dirty="0"/>
+              <a:t> </a:t>
+            </a:r>
+            <a:r>
+              <a:rPr lang="de-DE" dirty="0" err="1"/>
+              <a:t>merge</a:t>
+            </a:r>
+            <a:r>
+              <a:rPr lang="de-DE" dirty="0"/>
+              <a:t> </a:t>
+            </a:r>
+            <a:r>
+              <a:rPr lang="de-DE" dirty="0" err="1"/>
+              <a:t>function</a:t>
+            </a:r>
+            <a:endParaRPr lang="de-DE" dirty="0"/>
+          </a:p>
+          <a:p>
+            <a:r>
+              <a:rPr lang="de-DE" dirty="0"/>
+              <a:t>-&gt; </a:t>
+            </a:r>
+            <a:r>
+              <a:rPr lang="de-DE" dirty="0" err="1"/>
+              <a:t>mergeable</a:t>
+            </a:r>
+            <a:r>
+              <a:rPr lang="de-DE" dirty="0"/>
+              <a:t> </a:t>
+            </a:r>
+            <a:r>
+              <a:rPr lang="de-DE" dirty="0" err="1"/>
+              <a:t>columns</a:t>
+            </a:r>
+            <a:r>
+              <a:rPr lang="de-DE" dirty="0"/>
+              <a:t> </a:t>
+            </a:r>
+            <a:r>
+              <a:rPr lang="de-DE" dirty="0" err="1"/>
+              <a:t>are</a:t>
+            </a:r>
+            <a:r>
+              <a:rPr lang="de-DE" dirty="0"/>
+              <a:t> </a:t>
+            </a:r>
+            <a:r>
+              <a:rPr lang="de-DE" dirty="0" err="1"/>
+              <a:t>saved</a:t>
+            </a:r>
+            <a:r>
+              <a:rPr lang="de-DE" dirty="0"/>
+              <a:t> </a:t>
+            </a:r>
+            <a:r>
+              <a:rPr lang="de-DE" dirty="0" err="1"/>
+              <a:t>during</a:t>
+            </a:r>
+            <a:r>
+              <a:rPr lang="de-DE" dirty="0"/>
+              <a:t> </a:t>
+            </a:r>
+            <a:r>
+              <a:rPr lang="de-DE" dirty="0" err="1"/>
+              <a:t>calApl</a:t>
+            </a:r>
+            <a:r>
+              <a:rPr lang="de-DE" dirty="0"/>
+              <a:t> </a:t>
+            </a:r>
+            <a:r>
+              <a:rPr lang="de-DE" dirty="0" err="1"/>
+              <a:t>to</a:t>
+            </a:r>
+            <a:r>
+              <a:rPr lang="de-DE" dirty="0"/>
+              <a:t> </a:t>
+            </a:r>
+            <a:r>
+              <a:rPr lang="de-DE" dirty="0" err="1"/>
+              <a:t>be</a:t>
+            </a:r>
+            <a:r>
+              <a:rPr lang="de-DE" dirty="0"/>
+              <a:t> </a:t>
+            </a:r>
+            <a:r>
+              <a:rPr lang="de-DE" dirty="0" err="1"/>
+              <a:t>used</a:t>
+            </a:r>
+            <a:r>
+              <a:rPr lang="de-DE" dirty="0"/>
+              <a:t>, </a:t>
+            </a:r>
+            <a:r>
+              <a:rPr lang="de-DE" dirty="0" err="1"/>
+              <a:t>when</a:t>
+            </a:r>
+            <a:r>
+              <a:rPr lang="de-DE" dirty="0"/>
+              <a:t> </a:t>
+            </a:r>
+            <a:r>
+              <a:rPr lang="de-DE" dirty="0" err="1"/>
+              <a:t>actually</a:t>
+            </a:r>
+            <a:r>
+              <a:rPr lang="de-DE" dirty="0"/>
+              <a:t> </a:t>
+            </a:r>
+            <a:r>
+              <a:rPr lang="de-DE" dirty="0" err="1"/>
+              <a:t>called</a:t>
+            </a:r>
+            <a:endParaRPr lang="de-DE" dirty="0"/>
+          </a:p>
+          <a:p>
+            <a:r>
+              <a:rPr lang="de-DE" dirty="0"/>
+              <a:t>-&gt; </a:t>
+            </a:r>
+            <a:r>
+              <a:rPr lang="de-DE" dirty="0" err="1"/>
+              <a:t>depending</a:t>
+            </a:r>
+            <a:r>
+              <a:rPr lang="de-DE" dirty="0"/>
+              <a:t> on </a:t>
+            </a:r>
+            <a:r>
+              <a:rPr lang="de-DE" dirty="0" err="1"/>
+              <a:t>significan</a:t>
+            </a:r>
+            <a:r>
+              <a:rPr lang="de-DE" dirty="0"/>
+              <a:t> </a:t>
+            </a:r>
+            <a:r>
+              <a:rPr lang="de-DE" dirty="0" err="1"/>
+              <a:t>test</a:t>
+            </a:r>
+            <a:r>
+              <a:rPr lang="de-DE" dirty="0"/>
+              <a:t>, </a:t>
+            </a:r>
+            <a:r>
+              <a:rPr lang="de-DE" dirty="0" err="1"/>
+              <a:t>weight</a:t>
+            </a:r>
+            <a:r>
+              <a:rPr lang="de-DE" dirty="0"/>
+              <a:t> </a:t>
+            </a:r>
+            <a:r>
+              <a:rPr lang="de-DE" dirty="0" err="1"/>
+              <a:t>function</a:t>
+            </a:r>
+            <a:r>
+              <a:rPr lang="de-DE" dirty="0"/>
+              <a:t> </a:t>
+            </a:r>
+            <a:r>
+              <a:rPr lang="de-DE" dirty="0" err="1"/>
+              <a:t>to</a:t>
+            </a:r>
+            <a:r>
+              <a:rPr lang="de-DE" dirty="0"/>
+              <a:t> </a:t>
+            </a:r>
+            <a:r>
+              <a:rPr lang="de-DE" dirty="0" err="1"/>
+              <a:t>decrease</a:t>
+            </a:r>
+            <a:r>
+              <a:rPr lang="de-DE" dirty="0"/>
+              <a:t> </a:t>
+            </a:r>
+            <a:r>
+              <a:rPr lang="de-DE" dirty="0" err="1"/>
+              <a:t>result</a:t>
+            </a:r>
+            <a:endParaRPr lang="en-US" dirty="0"/>
           </a:p>
         </p:txBody>
       </p:sp>
@@ -3078,7 +3560,7 @@
       </p:grpSpPr>
       <p:sp>
         <p:nvSpPr>
-          <p:cNvPr id="8" name="Slide Image Placeholder 7"/>
+          <p:cNvPr id="2" name="Folienbildplatzhalter 1"/>
           <p:cNvSpPr>
             <a:spLocks noGrp="1" noRot="1" noChangeAspect="1"/>
           </p:cNvSpPr>
@@ -3086,7 +3568,7 @@
             <p:ph type="sldImg"/>
           </p:nvPr>
         </p:nvSpPr>
-        <p:spPr bwMode="gray">
+        <p:spPr>
           <a:xfrm>
             <a:off x="876300" y="885825"/>
             <a:ext cx="5576888" cy="3136900"/>
@@ -3095,7 +3577,7 @@
       </p:sp>
       <p:sp>
         <p:nvSpPr>
-          <p:cNvPr id="9" name="Notes Placeholder 8"/>
+          <p:cNvPr id="3" name="Notizenplatzhalter 2"/>
           <p:cNvSpPr>
             <a:spLocks noGrp="1"/>
           </p:cNvSpPr>
@@ -3103,23 +3585,140 @@
             <p:ph type="body" idx="1"/>
           </p:nvPr>
         </p:nvSpPr>
-        <p:spPr bwMode="gray"/>
+        <p:spPr/>
         <p:txBody>
           <a:bodyPr/>
           <a:lstStyle/>
           <a:p>
-            <a:endParaRPr lang="en-US"/>
-          </a:p>
-        </p:txBody>
-      </p:sp>
-      <p:sp>
-        <p:nvSpPr>
-          <p:cNvPr id="10" name="Slide Number Placeholder 9"/>
-          <p:cNvSpPr>
-            <a:spLocks noGrp="1"/>
-          </p:cNvSpPr>
-          <p:nvPr>
-            <p:ph type="sldNum" sz="quarter" idx="10"/>
+            <a:r>
+              <a:rPr lang="de-DE" dirty="0" err="1"/>
+              <a:t>Idea</a:t>
+            </a:r>
+            <a:r>
+              <a:rPr lang="de-DE" dirty="0"/>
+              <a:t>: </a:t>
+            </a:r>
+            <a:r>
+              <a:rPr lang="de-DE" dirty="0" err="1"/>
+              <a:t>Compare</a:t>
+            </a:r>
+            <a:r>
+              <a:rPr lang="de-DE" dirty="0"/>
+              <a:t> </a:t>
+            </a:r>
+            <a:r>
+              <a:rPr lang="de-DE" dirty="0" err="1"/>
+              <a:t>probability</a:t>
+            </a:r>
+            <a:r>
+              <a:rPr lang="de-DE" dirty="0"/>
+              <a:t> </a:t>
+            </a:r>
+            <a:r>
+              <a:rPr lang="de-DE" dirty="0" err="1"/>
+              <a:t>distributions</a:t>
+            </a:r>
+            <a:r>
+              <a:rPr lang="de-DE" dirty="0"/>
+              <a:t> </a:t>
+            </a:r>
+            <a:r>
+              <a:rPr lang="de-DE" dirty="0" err="1"/>
+              <a:t>for</a:t>
+            </a:r>
+            <a:r>
+              <a:rPr lang="de-DE" dirty="0"/>
+              <a:t> 2 </a:t>
+            </a:r>
+            <a:r>
+              <a:rPr lang="de-DE" dirty="0" err="1"/>
+              <a:t>columns</a:t>
+            </a:r>
+            <a:r>
+              <a:rPr lang="de-DE" dirty="0"/>
+              <a:t> </a:t>
+            </a:r>
+            <a:r>
+              <a:rPr lang="de-DE" dirty="0" err="1"/>
+              <a:t>using</a:t>
+            </a:r>
+            <a:r>
+              <a:rPr lang="de-DE" dirty="0"/>
+              <a:t> </a:t>
+            </a:r>
+            <a:r>
+              <a:rPr lang="de-DE" dirty="0" err="1"/>
+              <a:t>statistical</a:t>
+            </a:r>
+            <a:r>
+              <a:rPr lang="de-DE" dirty="0"/>
+              <a:t> </a:t>
+            </a:r>
+            <a:r>
+              <a:rPr lang="de-DE" dirty="0" err="1"/>
+              <a:t>tests</a:t>
+            </a:r>
+            <a:endParaRPr lang="de-DE" dirty="0"/>
+          </a:p>
+          <a:p>
+            <a:r>
+              <a:rPr lang="de-DE" dirty="0"/>
+              <a:t>(</a:t>
+            </a:r>
+            <a:r>
+              <a:rPr lang="de-DE" dirty="0" err="1"/>
+              <a:t>maybe</a:t>
+            </a:r>
+            <a:r>
+              <a:rPr lang="de-DE" dirty="0"/>
+              <a:t> just </a:t>
+            </a:r>
+            <a:r>
+              <a:rPr lang="de-DE" dirty="0" err="1"/>
+              <a:t>string</a:t>
+            </a:r>
+            <a:r>
+              <a:rPr lang="de-DE" dirty="0"/>
+              <a:t> </a:t>
+            </a:r>
+            <a:r>
+              <a:rPr lang="de-DE" dirty="0" err="1"/>
+              <a:t>length</a:t>
+            </a:r>
+            <a:r>
+              <a:rPr lang="de-DE" dirty="0"/>
+              <a:t> </a:t>
+            </a:r>
+            <a:r>
+              <a:rPr lang="de-DE" dirty="0" err="1"/>
+              <a:t>comparision</a:t>
+            </a:r>
+            <a:r>
+              <a:rPr lang="de-DE" dirty="0"/>
+              <a:t>)</a:t>
+            </a:r>
+          </a:p>
+          <a:p>
+            <a:r>
+              <a:rPr lang="de-DE" dirty="0"/>
+              <a:t>-</a:t>
+            </a:r>
+            <a:r>
+              <a:rPr lang="en-US" dirty="0"/>
+              <a:t>&gt; test are still in need (no two sample test)</a:t>
+            </a:r>
+            <a:endParaRPr lang="de-DE" dirty="0"/>
+          </a:p>
+        </p:txBody>
+      </p:sp>
+      <p:sp>
+        <p:nvSpPr>
+          <p:cNvPr id="4" name="Foliennummernplatzhalter 3"/>
+          <p:cNvSpPr>
+            <a:spLocks noGrp="1"/>
+          </p:cNvSpPr>
+          <p:nvPr>
+            <p:ph type="sldNum" sz="quarter" idx="5"/>
           </p:nvPr>
         </p:nvSpPr>
         <p:spPr/>
@@ -3134,7 +3733,7 @@
             <a:fld id="{4CBF50E3-ED67-46F2-ABFC-A36EE1082CF7}" type="slidenum">
               <a:rPr lang="en-US" b="1" smtClean="0"/>
               <a:pPr/>
-              <a:t>10</a:t>
+              <a:t>5</a:t>
             </a:fld>
             <a:endParaRPr lang="en-US" b="1" dirty="0"/>
           </a:p>
@@ -3143,7 +3742,7 @@
     </p:spTree>
     <p:extLst>
       <p:ext uri="{BB962C8B-B14F-4D97-AF65-F5344CB8AC3E}">
-        <p14:creationId xmlns:p14="http://schemas.microsoft.com/office/powerpoint/2010/main" val="1915773074"/>
+        <p14:creationId xmlns:p14="http://schemas.microsoft.com/office/powerpoint/2010/main" val="2938716050"/>
       </p:ext>
     </p:extLst>
   </p:cSld>
@@ -3172,7 +3771,7 @@
       </p:grpSpPr>
       <p:sp>
         <p:nvSpPr>
-          <p:cNvPr id="6" name="Slide Image Placeholder 5"/>
+          <p:cNvPr id="2" name="Folienbildplatzhalter 1"/>
           <p:cNvSpPr>
             <a:spLocks noGrp="1" noRot="1" noChangeAspect="1"/>
           </p:cNvSpPr>
@@ -3180,7 +3779,7 @@
             <p:ph type="sldImg"/>
           </p:nvPr>
         </p:nvSpPr>
-        <p:spPr bwMode="gray">
+        <p:spPr>
           <a:xfrm>
             <a:off x="876300" y="885825"/>
             <a:ext cx="5576888" cy="3136900"/>
@@ -3189,7 +3788,7 @@
       </p:sp>
       <p:sp>
         <p:nvSpPr>
-          <p:cNvPr id="7" name="Notes Placeholder 6"/>
+          <p:cNvPr id="3" name="Notizenplatzhalter 2"/>
           <p:cNvSpPr>
             <a:spLocks noGrp="1"/>
           </p:cNvSpPr>
@@ -3197,23 +3796,23 @@
             <p:ph type="body" idx="1"/>
           </p:nvPr>
         </p:nvSpPr>
-        <p:spPr bwMode="gray"/>
+        <p:spPr/>
         <p:txBody>
           <a:bodyPr/>
           <a:lstStyle/>
           <a:p>
-            <a:endParaRPr lang="en-US"/>
-          </a:p>
-        </p:txBody>
-      </p:sp>
-      <p:sp>
-        <p:nvSpPr>
-          <p:cNvPr id="10" name="Slide Number Placeholder 9"/>
-          <p:cNvSpPr>
-            <a:spLocks noGrp="1"/>
-          </p:cNvSpPr>
-          <p:nvPr>
-            <p:ph type="sldNum" sz="quarter" idx="10"/>
+            <a:endParaRPr lang="en-US" dirty="0"/>
+          </a:p>
+        </p:txBody>
+      </p:sp>
+      <p:sp>
+        <p:nvSpPr>
+          <p:cNvPr id="4" name="Foliennummernplatzhalter 3"/>
+          <p:cNvSpPr>
+            <a:spLocks noGrp="1"/>
+          </p:cNvSpPr>
+          <p:nvPr>
+            <p:ph type="sldNum" sz="quarter" idx="5"/>
           </p:nvPr>
         </p:nvSpPr>
         <p:spPr/>
@@ -3228,7 +3827,7 @@
             <a:fld id="{4CBF50E3-ED67-46F2-ABFC-A36EE1082CF7}" type="slidenum">
               <a:rPr lang="en-US" b="1" smtClean="0"/>
               <a:pPr/>
-              <a:t>11</a:t>
+              <a:t>9</a:t>
             </a:fld>
             <a:endParaRPr lang="en-US" b="1" dirty="0"/>
           </a:p>
@@ -3237,7 +3836,7 @@
     </p:spTree>
     <p:extLst>
       <p:ext uri="{BB962C8B-B14F-4D97-AF65-F5344CB8AC3E}">
-        <p14:creationId xmlns:p14="http://schemas.microsoft.com/office/powerpoint/2010/main" val="570977232"/>
+        <p14:creationId xmlns:p14="http://schemas.microsoft.com/office/powerpoint/2010/main" val="3872117249"/>
       </p:ext>
     </p:extLst>
   </p:cSld>
@@ -3266,7 +3865,7 @@
       </p:grpSpPr>
       <p:sp>
         <p:nvSpPr>
-          <p:cNvPr id="8" name="Slide Image Placeholder 7"/>
+          <p:cNvPr id="2" name="Folienbildplatzhalter 1"/>
           <p:cNvSpPr>
             <a:spLocks noGrp="1" noRot="1" noChangeAspect="1"/>
           </p:cNvSpPr>
@@ -3274,7 +3873,7 @@
             <p:ph type="sldImg"/>
           </p:nvPr>
         </p:nvSpPr>
-        <p:spPr bwMode="gray">
+        <p:spPr>
           <a:xfrm>
             <a:off x="876300" y="885825"/>
             <a:ext cx="5576888" cy="3136900"/>
@@ -3283,7 +3882,7 @@
       </p:sp>
       <p:sp>
         <p:nvSpPr>
-          <p:cNvPr id="9" name="Notes Placeholder 8"/>
+          <p:cNvPr id="3" name="Notizenplatzhalter 2"/>
           <p:cNvSpPr>
             <a:spLocks noGrp="1"/>
           </p:cNvSpPr>
@@ -3291,23 +3890,44 @@
             <p:ph type="body" idx="1"/>
           </p:nvPr>
         </p:nvSpPr>
-        <p:spPr bwMode="gray"/>
+        <p:spPr/>
         <p:txBody>
           <a:bodyPr/>
           <a:lstStyle/>
           <a:p>
-            <a:endParaRPr lang="en-US"/>
-          </a:p>
-        </p:txBody>
-      </p:sp>
-      <p:sp>
-        <p:nvSpPr>
-          <p:cNvPr id="10" name="Slide Number Placeholder 9"/>
-          <p:cNvSpPr>
-            <a:spLocks noGrp="1"/>
-          </p:cNvSpPr>
-          <p:nvPr>
-            <p:ph type="sldNum" sz="quarter" idx="10"/>
+            <a:r>
+              <a:rPr lang="de-DE" dirty="0"/>
+              <a:t>L</a:t>
+            </a:r>
+            <a:r>
+              <a:rPr lang="en-US" dirty="0" err="1"/>
+              <a:t>ongest</a:t>
+            </a:r>
+            <a:r>
+              <a:rPr lang="en-US" dirty="0"/>
+              <a:t> common substring</a:t>
+            </a:r>
+          </a:p>
+          <a:p>
+            <a:r>
+              <a:rPr lang="de-DE" dirty="0"/>
+              <a:t>A</a:t>
+            </a:r>
+            <a:r>
+              <a:rPr lang="en-US" dirty="0"/>
+              <a:t>analyze of Null values (scoring via cross joins)</a:t>
+            </a:r>
+          </a:p>
+        </p:txBody>
+      </p:sp>
+      <p:sp>
+        <p:nvSpPr>
+          <p:cNvPr id="4" name="Foliennummernplatzhalter 3"/>
+          <p:cNvSpPr>
+            <a:spLocks noGrp="1"/>
+          </p:cNvSpPr>
+          <p:nvPr>
+            <p:ph type="sldNum" sz="quarter" idx="5"/>
           </p:nvPr>
         </p:nvSpPr>
         <p:spPr/>
@@ -3322,7 +3942,7 @@
             <a:fld id="{4CBF50E3-ED67-46F2-ABFC-A36EE1082CF7}" type="slidenum">
               <a:rPr lang="en-US" b="1" smtClean="0"/>
               <a:pPr/>
-              <a:t>12</a:t>
+              <a:t>10</a:t>
             </a:fld>
             <a:endParaRPr lang="en-US" b="1" dirty="0"/>
           </a:p>
@@ -3331,7 +3951,7 @@
     </p:spTree>
     <p:extLst>
       <p:ext uri="{BB962C8B-B14F-4D97-AF65-F5344CB8AC3E}">
-        <p14:creationId xmlns:p14="http://schemas.microsoft.com/office/powerpoint/2010/main" val="577263827"/>
+        <p14:creationId xmlns:p14="http://schemas.microsoft.com/office/powerpoint/2010/main" val="3657686883"/>
       </p:ext>
     </p:extLst>
   </p:cSld>
@@ -3416,7 +4036,7 @@
             <a:fld id="{4CBF50E3-ED67-46F2-ABFC-A36EE1082CF7}" type="slidenum">
               <a:rPr lang="en-US" b="1" smtClean="0"/>
               <a:pPr/>
-              <a:t>13</a:t>
+              <a:t>12</a:t>
             </a:fld>
             <a:endParaRPr lang="en-US" b="1" dirty="0"/>
           </a:p>
@@ -3425,7 +4045,7 @@
     </p:spTree>
     <p:extLst>
       <p:ext uri="{BB962C8B-B14F-4D97-AF65-F5344CB8AC3E}">
-        <p14:creationId xmlns:p14="http://schemas.microsoft.com/office/powerpoint/2010/main" val="1254936349"/>
+        <p14:creationId xmlns:p14="http://schemas.microsoft.com/office/powerpoint/2010/main" val="1915773074"/>
       </p:ext>
     </p:extLst>
   </p:cSld>
@@ -3454,7 +4074,7 @@
       </p:grpSpPr>
       <p:sp>
         <p:nvSpPr>
-          <p:cNvPr id="2" name="Slide Image Placeholder 1"/>
+          <p:cNvPr id="6" name="Slide Image Placeholder 5"/>
           <p:cNvSpPr>
             <a:spLocks noGrp="1" noRot="1" noChangeAspect="1"/>
           </p:cNvSpPr>
@@ -3462,7 +4082,7 @@
             <p:ph type="sldImg"/>
           </p:nvPr>
         </p:nvSpPr>
-        <p:spPr>
+        <p:spPr bwMode="gray">
           <a:xfrm>
             <a:off x="876300" y="885825"/>
             <a:ext cx="5576888" cy="3136900"/>
@@ -3471,7 +4091,7 @@
       </p:sp>
       <p:sp>
         <p:nvSpPr>
-          <p:cNvPr id="3" name="Notes Placeholder 2"/>
+          <p:cNvPr id="7" name="Notes Placeholder 6"/>
           <p:cNvSpPr>
             <a:spLocks noGrp="1"/>
           </p:cNvSpPr>
@@ -3479,7 +4099,7 @@
             <p:ph type="body" idx="1"/>
           </p:nvPr>
         </p:nvSpPr>
-        <p:spPr/>
+        <p:spPr bwMode="gray"/>
         <p:txBody>
           <a:bodyPr/>
           <a:lstStyle/>
@@ -3490,7 +4110,7 @@
       </p:sp>
       <p:sp>
         <p:nvSpPr>
-          <p:cNvPr id="4" name="Slide Number Placeholder 3"/>
+          <p:cNvPr id="10" name="Slide Number Placeholder 9"/>
           <p:cNvSpPr>
             <a:spLocks noGrp="1"/>
           </p:cNvSpPr>
@@ -3510,7 +4130,7 @@
             <a:fld id="{4CBF50E3-ED67-46F2-ABFC-A36EE1082CF7}" type="slidenum">
               <a:rPr lang="en-US" b="1" smtClean="0"/>
               <a:pPr/>
-              <a:t>14</a:t>
+              <a:t>13</a:t>
             </a:fld>
             <a:endParaRPr lang="en-US" b="1" dirty="0"/>
           </a:p>
@@ -3519,7 +4139,7 @@
     </p:spTree>
     <p:extLst>
       <p:ext uri="{BB962C8B-B14F-4D97-AF65-F5344CB8AC3E}">
-        <p14:creationId xmlns:p14="http://schemas.microsoft.com/office/powerpoint/2010/main" val="1584324230"/>
+        <p14:creationId xmlns:p14="http://schemas.microsoft.com/office/powerpoint/2010/main" val="570977232"/>
       </p:ext>
     </p:extLst>
   </p:cSld>
@@ -3548,7 +4168,7 @@
       </p:grpSpPr>
       <p:sp>
         <p:nvSpPr>
-          <p:cNvPr id="2" name="Slide Image Placeholder 1"/>
+          <p:cNvPr id="8" name="Slide Image Placeholder 7"/>
           <p:cNvSpPr>
             <a:spLocks noGrp="1" noRot="1" noChangeAspect="1"/>
           </p:cNvSpPr>
@@ -3556,7 +4176,7 @@
             <p:ph type="sldImg"/>
           </p:nvPr>
         </p:nvSpPr>
-        <p:spPr>
+        <p:spPr bwMode="gray">
           <a:xfrm>
             <a:off x="876300" y="885825"/>
             <a:ext cx="5576888" cy="3136900"/>
@@ -3565,7 +4185,7 @@
       </p:sp>
       <p:sp>
         <p:nvSpPr>
-          <p:cNvPr id="3" name="Notes Placeholder 2"/>
+          <p:cNvPr id="9" name="Notes Placeholder 8"/>
           <p:cNvSpPr>
             <a:spLocks noGrp="1"/>
           </p:cNvSpPr>
@@ -3573,7 +4193,7 @@
             <p:ph type="body" idx="1"/>
           </p:nvPr>
         </p:nvSpPr>
-        <p:spPr/>
+        <p:spPr bwMode="gray"/>
         <p:txBody>
           <a:bodyPr/>
           <a:lstStyle/>
@@ -3584,7 +4204,7 @@
       </p:sp>
       <p:sp>
         <p:nvSpPr>
-          <p:cNvPr id="4" name="Slide Number Placeholder 3"/>
+          <p:cNvPr id="10" name="Slide Number Placeholder 9"/>
           <p:cNvSpPr>
             <a:spLocks noGrp="1"/>
           </p:cNvSpPr>
@@ -3604,7 +4224,7 @@
             <a:fld id="{4CBF50E3-ED67-46F2-ABFC-A36EE1082CF7}" type="slidenum">
               <a:rPr lang="en-US" b="1" smtClean="0"/>
               <a:pPr/>
-              <a:t>15</a:t>
+              <a:t>14</a:t>
             </a:fld>
             <a:endParaRPr lang="en-US" b="1" dirty="0"/>
           </a:p>
@@ -3613,7 +4233,7 @@
     </p:spTree>
     <p:extLst>
       <p:ext uri="{BB962C8B-B14F-4D97-AF65-F5344CB8AC3E}">
-        <p14:creationId xmlns:p14="http://schemas.microsoft.com/office/powerpoint/2010/main" val="128533741"/>
+        <p14:creationId xmlns:p14="http://schemas.microsoft.com/office/powerpoint/2010/main" val="577263827"/>
       </p:ext>
     </p:extLst>
   </p:cSld>
@@ -11918,6 +12538,688 @@
       </p:grpSpPr>
       <p:sp>
         <p:nvSpPr>
+          <p:cNvPr id="2" name="Textplatzhalter 1">
+            <a:extLst>
+              <a:ext uri="{FF2B5EF4-FFF2-40B4-BE49-F238E27FC236}">
+                <a16:creationId xmlns:a16="http://schemas.microsoft.com/office/drawing/2014/main" id="{7A87283F-B569-4B49-BCCF-856E735F9027}"/>
+              </a:ext>
+            </a:extLst>
+          </p:cNvPr>
+          <p:cNvSpPr>
+            <a:spLocks noGrp="1"/>
+          </p:cNvSpPr>
+          <p:nvPr>
+            <p:ph type="body" sz="quarter" idx="13"/>
+          </p:nvPr>
+        </p:nvSpPr>
+        <p:spPr>
+          <a:xfrm>
+            <a:off x="524019" y="1239837"/>
+            <a:ext cx="6711808" cy="3563938"/>
+          </a:xfrm>
+        </p:spPr>
+        <p:txBody>
+          <a:bodyPr/>
+          <a:lstStyle/>
+          <a:p>
+            <a:pPr marL="0" indent="0">
+              <a:buNone/>
+            </a:pPr>
+            <a:r>
+              <a:rPr lang="de-DE" sz="1600" dirty="0"/>
+              <a:t>C</a:t>
+            </a:r>
+            <a:r>
+              <a:rPr lang="en-US" sz="1600" dirty="0"/>
+              <a:t>heck headers for date substrings?</a:t>
+            </a:r>
+          </a:p>
+        </p:txBody>
+      </p:sp>
+      <p:sp>
+        <p:nvSpPr>
+          <p:cNvPr id="3" name="Datumsplatzhalter 2">
+            <a:extLst>
+              <a:ext uri="{FF2B5EF4-FFF2-40B4-BE49-F238E27FC236}">
+                <a16:creationId xmlns:a16="http://schemas.microsoft.com/office/drawing/2014/main" id="{AE232BE0-0C96-421D-A252-419040151F2E}"/>
+              </a:ext>
+            </a:extLst>
+          </p:cNvPr>
+          <p:cNvSpPr>
+            <a:spLocks noGrp="1"/>
+          </p:cNvSpPr>
+          <p:nvPr>
+            <p:ph type="dt" sz="half" idx="14"/>
+          </p:nvPr>
+        </p:nvSpPr>
+        <p:spPr/>
+        <p:txBody>
+          <a:bodyPr/>
+          <a:lstStyle/>
+          <a:p>
+            <a:r>
+              <a:rPr lang="en-US" dirty="0"/>
+              <a:t>Felix </a:t>
+            </a:r>
+            <a:r>
+              <a:rPr lang="en-US" dirty="0" err="1"/>
+              <a:t>Grzelka</a:t>
+            </a:r>
+            <a:r>
+              <a:rPr lang="en-US" dirty="0"/>
+              <a:t>, Margaux </a:t>
+            </a:r>
+            <a:r>
+              <a:rPr lang="en-US" dirty="0" err="1"/>
+              <a:t>Gatrio</a:t>
+            </a:r>
+            <a:endParaRPr lang="en-US" dirty="0"/>
+          </a:p>
+        </p:txBody>
+      </p:sp>
+      <p:sp>
+        <p:nvSpPr>
+          <p:cNvPr id="4" name="Fußzeilenplatzhalter 3">
+            <a:extLst>
+              <a:ext uri="{FF2B5EF4-FFF2-40B4-BE49-F238E27FC236}">
+                <a16:creationId xmlns:a16="http://schemas.microsoft.com/office/drawing/2014/main" id="{270AF25F-C3D6-4A76-83FA-BA5E2AAFC93F}"/>
+              </a:ext>
+            </a:extLst>
+          </p:cNvPr>
+          <p:cNvSpPr>
+            <a:spLocks noGrp="1"/>
+          </p:cNvSpPr>
+          <p:nvPr>
+            <p:ph type="ftr" sz="quarter" idx="15"/>
+          </p:nvPr>
+        </p:nvSpPr>
+        <p:spPr/>
+        <p:txBody>
+          <a:bodyPr/>
+          <a:lstStyle/>
+          <a:p>
+            <a:r>
+              <a:rPr lang="en-US" dirty="0"/>
+              <a:t>Merging Attributes</a:t>
+            </a:r>
+          </a:p>
+        </p:txBody>
+      </p:sp>
+      <p:sp>
+        <p:nvSpPr>
+          <p:cNvPr id="5" name="Foliennummernplatzhalter 4">
+            <a:extLst>
+              <a:ext uri="{FF2B5EF4-FFF2-40B4-BE49-F238E27FC236}">
+                <a16:creationId xmlns:a16="http://schemas.microsoft.com/office/drawing/2014/main" id="{3DDEB334-7939-4943-AE85-5A96F57E0F42}"/>
+              </a:ext>
+            </a:extLst>
+          </p:cNvPr>
+          <p:cNvSpPr>
+            <a:spLocks noGrp="1"/>
+          </p:cNvSpPr>
+          <p:nvPr>
+            <p:ph type="sldNum" sz="quarter" idx="16"/>
+          </p:nvPr>
+        </p:nvSpPr>
+        <p:spPr/>
+        <p:txBody>
+          <a:bodyPr/>
+          <a:lstStyle/>
+          <a:p>
+            <a:r>
+              <a:rPr lang="en-US"/>
+              <a:t>Chart </a:t>
+            </a:r>
+            <a:fld id="{91D913BA-B0D8-4B51-9328-DFAA0B370309}" type="slidenum">
+              <a:rPr lang="en-US" b="1" smtClean="0"/>
+              <a:pPr/>
+              <a:t>10</a:t>
+            </a:fld>
+            <a:endParaRPr lang="en-US" b="1" dirty="0"/>
+          </a:p>
+        </p:txBody>
+      </p:sp>
+      <p:sp>
+        <p:nvSpPr>
+          <p:cNvPr id="6" name="Titel 5">
+            <a:extLst>
+              <a:ext uri="{FF2B5EF4-FFF2-40B4-BE49-F238E27FC236}">
+                <a16:creationId xmlns:a16="http://schemas.microsoft.com/office/drawing/2014/main" id="{ABDA6A90-4ED4-4BD5-82D4-6AFF3E231BEA}"/>
+              </a:ext>
+            </a:extLst>
+          </p:cNvPr>
+          <p:cNvSpPr>
+            <a:spLocks noGrp="1"/>
+          </p:cNvSpPr>
+          <p:nvPr>
+            <p:ph type="title"/>
+          </p:nvPr>
+        </p:nvSpPr>
+        <p:spPr/>
+        <p:txBody>
+          <a:bodyPr/>
+          <a:lstStyle/>
+          <a:p>
+            <a:r>
+              <a:rPr lang="en-US" dirty="0"/>
+              <a:t>Merge date parts - Headers</a:t>
+            </a:r>
+          </a:p>
+        </p:txBody>
+      </p:sp>
+      <p:pic>
+        <p:nvPicPr>
+          <p:cNvPr id="8" name="Grafik 7">
+            <a:extLst>
+              <a:ext uri="{FF2B5EF4-FFF2-40B4-BE49-F238E27FC236}">
+                <a16:creationId xmlns:a16="http://schemas.microsoft.com/office/drawing/2014/main" id="{AD06FC0F-6431-45AA-9E30-CA10BF602A9F}"/>
+              </a:ext>
+            </a:extLst>
+          </p:cNvPr>
+          <p:cNvPicPr>
+            <a:picLocks noChangeAspect="1"/>
+          </p:cNvPicPr>
+          <p:nvPr/>
+        </p:nvPicPr>
+        <p:blipFill>
+          <a:blip r:embed="rId3"/>
+          <a:stretch>
+            <a:fillRect/>
+          </a:stretch>
+        </p:blipFill>
+        <p:spPr>
+          <a:xfrm>
+            <a:off x="524019" y="1747578"/>
+            <a:ext cx="6251922" cy="2762946"/>
+          </a:xfrm>
+          <a:prstGeom prst="rect">
+            <a:avLst/>
+          </a:prstGeom>
+        </p:spPr>
+      </p:pic>
+      <p:sp>
+        <p:nvSpPr>
+          <p:cNvPr id="10" name="Rechteck 9">
+            <a:extLst>
+              <a:ext uri="{FF2B5EF4-FFF2-40B4-BE49-F238E27FC236}">
+                <a16:creationId xmlns:a16="http://schemas.microsoft.com/office/drawing/2014/main" id="{8072B814-B487-4264-9A57-5527DE4594F5}"/>
+              </a:ext>
+            </a:extLst>
+          </p:cNvPr>
+          <p:cNvSpPr/>
+          <p:nvPr/>
+        </p:nvSpPr>
+        <p:spPr bwMode="gray">
+          <a:xfrm>
+            <a:off x="2051719" y="1747578"/>
+            <a:ext cx="288032" cy="170658"/>
+          </a:xfrm>
+          <a:prstGeom prst="rect">
+            <a:avLst/>
+          </a:prstGeom>
+          <a:noFill/>
+          <a:ln w="19050">
+            <a:solidFill>
+              <a:schemeClr val="accent1"/>
+            </a:solidFill>
+          </a:ln>
+        </p:spPr>
+        <p:style>
+          <a:lnRef idx="2">
+            <a:schemeClr val="accent1">
+              <a:shade val="50000"/>
+            </a:schemeClr>
+          </a:lnRef>
+          <a:fillRef idx="1">
+            <a:schemeClr val="accent1"/>
+          </a:fillRef>
+          <a:effectRef idx="0">
+            <a:schemeClr val="accent1"/>
+          </a:effectRef>
+          <a:fontRef idx="minor">
+            <a:schemeClr val="lt1"/>
+          </a:fontRef>
+        </p:style>
+        <p:txBody>
+          <a:bodyPr rot="0" spcFirstLastPara="0" vertOverflow="overflow" horzOverflow="overflow" vert="horz" wrap="square" lIns="108000" tIns="72000" rIns="108000" bIns="72000" numCol="1" spcCol="0" rtlCol="0" fromWordArt="0" anchor="ctr" anchorCtr="0" forceAA="0" compatLnSpc="1">
+            <a:prstTxWarp prst="textNoShape">
+              <a:avLst/>
+            </a:prstTxWarp>
+            <a:noAutofit/>
+          </a:bodyPr>
+          <a:lstStyle/>
+          <a:p>
+            <a:pPr algn="ctr">
+              <a:spcBef>
+                <a:spcPts val="300"/>
+              </a:spcBef>
+              <a:spcAft>
+                <a:spcPts val="300"/>
+              </a:spcAft>
+            </a:pPr>
+            <a:endParaRPr lang="en-US" sz="1200" b="1" dirty="0" err="1">
+              <a:solidFill>
+                <a:schemeClr val="bg1"/>
+              </a:solidFill>
+            </a:endParaRPr>
+          </a:p>
+        </p:txBody>
+      </p:sp>
+      <p:sp>
+        <p:nvSpPr>
+          <p:cNvPr id="13" name="Rechteck 12">
+            <a:extLst>
+              <a:ext uri="{FF2B5EF4-FFF2-40B4-BE49-F238E27FC236}">
+                <a16:creationId xmlns:a16="http://schemas.microsoft.com/office/drawing/2014/main" id="{399C60F0-EBD5-4C28-84D2-B9BE233D4309}"/>
+              </a:ext>
+            </a:extLst>
+          </p:cNvPr>
+          <p:cNvSpPr/>
+          <p:nvPr/>
+        </p:nvSpPr>
+        <p:spPr bwMode="gray">
+          <a:xfrm>
+            <a:off x="3059833" y="1729320"/>
+            <a:ext cx="288032" cy="170658"/>
+          </a:xfrm>
+          <a:prstGeom prst="rect">
+            <a:avLst/>
+          </a:prstGeom>
+          <a:noFill/>
+          <a:ln w="19050">
+            <a:solidFill>
+              <a:schemeClr val="accent1"/>
+            </a:solidFill>
+          </a:ln>
+        </p:spPr>
+        <p:style>
+          <a:lnRef idx="2">
+            <a:schemeClr val="accent1">
+              <a:shade val="50000"/>
+            </a:schemeClr>
+          </a:lnRef>
+          <a:fillRef idx="1">
+            <a:schemeClr val="accent1"/>
+          </a:fillRef>
+          <a:effectRef idx="0">
+            <a:schemeClr val="accent1"/>
+          </a:effectRef>
+          <a:fontRef idx="minor">
+            <a:schemeClr val="lt1"/>
+          </a:fontRef>
+        </p:style>
+        <p:txBody>
+          <a:bodyPr rot="0" spcFirstLastPara="0" vertOverflow="overflow" horzOverflow="overflow" vert="horz" wrap="square" lIns="108000" tIns="72000" rIns="108000" bIns="72000" numCol="1" spcCol="0" rtlCol="0" fromWordArt="0" anchor="ctr" anchorCtr="0" forceAA="0" compatLnSpc="1">
+            <a:prstTxWarp prst="textNoShape">
+              <a:avLst/>
+            </a:prstTxWarp>
+            <a:noAutofit/>
+          </a:bodyPr>
+          <a:lstStyle/>
+          <a:p>
+            <a:pPr algn="ctr">
+              <a:spcBef>
+                <a:spcPts val="300"/>
+              </a:spcBef>
+              <a:spcAft>
+                <a:spcPts val="300"/>
+              </a:spcAft>
+            </a:pPr>
+            <a:endParaRPr lang="en-US" sz="1200" b="1" dirty="0" err="1">
+              <a:solidFill>
+                <a:schemeClr val="bg1"/>
+              </a:solidFill>
+            </a:endParaRPr>
+          </a:p>
+        </p:txBody>
+      </p:sp>
+      <p:sp>
+        <p:nvSpPr>
+          <p:cNvPr id="14" name="Rechteck 13">
+            <a:extLst>
+              <a:ext uri="{FF2B5EF4-FFF2-40B4-BE49-F238E27FC236}">
+                <a16:creationId xmlns:a16="http://schemas.microsoft.com/office/drawing/2014/main" id="{42828C1A-BB2F-4F5C-BB17-1D92EB77A3F3}"/>
+              </a:ext>
+            </a:extLst>
+          </p:cNvPr>
+          <p:cNvSpPr/>
+          <p:nvPr/>
+        </p:nvSpPr>
+        <p:spPr bwMode="gray">
+          <a:xfrm>
+            <a:off x="1043605" y="1747578"/>
+            <a:ext cx="288032" cy="170658"/>
+          </a:xfrm>
+          <a:prstGeom prst="rect">
+            <a:avLst/>
+          </a:prstGeom>
+          <a:noFill/>
+          <a:ln w="19050">
+            <a:solidFill>
+              <a:schemeClr val="accent1"/>
+            </a:solidFill>
+          </a:ln>
+        </p:spPr>
+        <p:style>
+          <a:lnRef idx="2">
+            <a:schemeClr val="accent1">
+              <a:shade val="50000"/>
+            </a:schemeClr>
+          </a:lnRef>
+          <a:fillRef idx="1">
+            <a:schemeClr val="accent1"/>
+          </a:fillRef>
+          <a:effectRef idx="0">
+            <a:schemeClr val="accent1"/>
+          </a:effectRef>
+          <a:fontRef idx="minor">
+            <a:schemeClr val="lt1"/>
+          </a:fontRef>
+        </p:style>
+        <p:txBody>
+          <a:bodyPr rot="0" spcFirstLastPara="0" vertOverflow="overflow" horzOverflow="overflow" vert="horz" wrap="square" lIns="108000" tIns="72000" rIns="108000" bIns="72000" numCol="1" spcCol="0" rtlCol="0" fromWordArt="0" anchor="ctr" anchorCtr="0" forceAA="0" compatLnSpc="1">
+            <a:prstTxWarp prst="textNoShape">
+              <a:avLst/>
+            </a:prstTxWarp>
+            <a:noAutofit/>
+          </a:bodyPr>
+          <a:lstStyle/>
+          <a:p>
+            <a:pPr algn="ctr">
+              <a:spcBef>
+                <a:spcPts val="300"/>
+              </a:spcBef>
+              <a:spcAft>
+                <a:spcPts val="300"/>
+              </a:spcAft>
+            </a:pPr>
+            <a:endParaRPr lang="en-US" sz="1200" b="1" dirty="0" err="1">
+              <a:solidFill>
+                <a:schemeClr val="bg1"/>
+              </a:solidFill>
+            </a:endParaRPr>
+          </a:p>
+        </p:txBody>
+      </p:sp>
+    </p:spTree>
+    <p:extLst>
+      <p:ext uri="{BB962C8B-B14F-4D97-AF65-F5344CB8AC3E}">
+        <p14:creationId xmlns:p14="http://schemas.microsoft.com/office/powerpoint/2010/main" val="897392906"/>
+      </p:ext>
+    </p:extLst>
+  </p:cSld>
+  <p:clrMapOvr>
+    <a:masterClrMapping/>
+  </p:clrMapOvr>
+  <p:transition>
+    <p:fade/>
+  </p:transition>
+</p:sld>
+</file>
+
+<file path=ppt/slides/slide11.xml><?xml version="1.0" encoding="utf-8"?>
+<p:sld xmlns:a="http://schemas.openxmlformats.org/drawingml/2006/main" xmlns:r="http://schemas.openxmlformats.org/officeDocument/2006/relationships" xmlns:p="http://schemas.openxmlformats.org/presentationml/2006/main">
+  <p:cSld>
+    <p:spTree>
+      <p:nvGrpSpPr>
+        <p:cNvPr id="1" name=""/>
+        <p:cNvGrpSpPr/>
+        <p:nvPr/>
+      </p:nvGrpSpPr>
+      <p:grpSpPr>
+        <a:xfrm>
+          <a:off x="0" y="0"/>
+          <a:ext cx="0" cy="0"/>
+          <a:chOff x="0" y="0"/>
+          <a:chExt cx="0" cy="0"/>
+        </a:xfrm>
+      </p:grpSpPr>
+      <p:sp>
+        <p:nvSpPr>
+          <p:cNvPr id="2" name="Textplatzhalter 1">
+            <a:extLst>
+              <a:ext uri="{FF2B5EF4-FFF2-40B4-BE49-F238E27FC236}">
+                <a16:creationId xmlns:a16="http://schemas.microsoft.com/office/drawing/2014/main" id="{741231EE-A075-41CF-8FAA-77851EDFA70E}"/>
+              </a:ext>
+            </a:extLst>
+          </p:cNvPr>
+          <p:cNvSpPr>
+            <a:spLocks noGrp="1"/>
+          </p:cNvSpPr>
+          <p:nvPr>
+            <p:ph type="body" sz="quarter" idx="13"/>
+          </p:nvPr>
+        </p:nvSpPr>
+        <p:spPr>
+          <a:xfrm>
+            <a:off x="358777" y="1239837"/>
+            <a:ext cx="6877050" cy="3563938"/>
+          </a:xfrm>
+        </p:spPr>
+        <p:txBody>
+          <a:bodyPr/>
+          <a:lstStyle/>
+          <a:p>
+            <a:r>
+              <a:rPr lang="en-US" sz="1600" dirty="0"/>
+              <a:t>Two preparators:</a:t>
+            </a:r>
+          </a:p>
+          <a:p>
+            <a:pPr lvl="1"/>
+            <a:r>
+              <a:rPr lang="en-US" sz="1600" dirty="0"/>
+              <a:t>Merging of interleaving columns and duplicates</a:t>
+            </a:r>
+          </a:p>
+          <a:p>
+            <a:pPr lvl="1"/>
+            <a:r>
+              <a:rPr lang="en-US" sz="1600" dirty="0"/>
+              <a:t>Merging of date parts</a:t>
+            </a:r>
+          </a:p>
+          <a:p>
+            <a:endParaRPr lang="en-US" sz="1600" dirty="0"/>
+          </a:p>
+          <a:p>
+            <a:r>
+              <a:rPr lang="en-US" sz="1600" dirty="0"/>
+              <a:t>Open tasks:</a:t>
+            </a:r>
+          </a:p>
+          <a:p>
+            <a:pPr lvl="1"/>
+            <a:r>
+              <a:rPr lang="en-US" sz="1600" dirty="0"/>
+              <a:t>Statistical tests</a:t>
+            </a:r>
+          </a:p>
+          <a:p>
+            <a:pPr lvl="1"/>
+            <a:r>
+              <a:rPr lang="en-US" sz="1600" dirty="0"/>
+              <a:t>Scoring of related date parts</a:t>
+            </a:r>
+          </a:p>
+          <a:p>
+            <a:pPr lvl="1"/>
+            <a:r>
+              <a:rPr lang="en-US" sz="1600" dirty="0"/>
+              <a:t>Fine tuning</a:t>
+            </a:r>
+          </a:p>
+          <a:p>
+            <a:endParaRPr lang="en-US" sz="1600" dirty="0"/>
+          </a:p>
+        </p:txBody>
+      </p:sp>
+      <p:sp>
+        <p:nvSpPr>
+          <p:cNvPr id="3" name="Datumsplatzhalter 2">
+            <a:extLst>
+              <a:ext uri="{FF2B5EF4-FFF2-40B4-BE49-F238E27FC236}">
+                <a16:creationId xmlns:a16="http://schemas.microsoft.com/office/drawing/2014/main" id="{EB860AD6-B309-4219-9204-ABFEE376F408}"/>
+              </a:ext>
+            </a:extLst>
+          </p:cNvPr>
+          <p:cNvSpPr>
+            <a:spLocks noGrp="1"/>
+          </p:cNvSpPr>
+          <p:nvPr>
+            <p:ph type="dt" sz="half" idx="14"/>
+          </p:nvPr>
+        </p:nvSpPr>
+        <p:spPr/>
+        <p:txBody>
+          <a:bodyPr/>
+          <a:lstStyle/>
+          <a:p>
+            <a:r>
+              <a:rPr lang="en-US" dirty="0"/>
+              <a:t>Felix </a:t>
+            </a:r>
+            <a:r>
+              <a:rPr lang="en-US" dirty="0" err="1"/>
+              <a:t>Grzelka</a:t>
+            </a:r>
+            <a:r>
+              <a:rPr lang="en-US" dirty="0"/>
+              <a:t>, Margaux </a:t>
+            </a:r>
+            <a:r>
+              <a:rPr lang="en-US" dirty="0" err="1"/>
+              <a:t>Gatrio</a:t>
+            </a:r>
+            <a:endParaRPr lang="en-US" dirty="0"/>
+          </a:p>
+        </p:txBody>
+      </p:sp>
+      <p:sp>
+        <p:nvSpPr>
+          <p:cNvPr id="4" name="Fußzeilenplatzhalter 3">
+            <a:extLst>
+              <a:ext uri="{FF2B5EF4-FFF2-40B4-BE49-F238E27FC236}">
+                <a16:creationId xmlns:a16="http://schemas.microsoft.com/office/drawing/2014/main" id="{240C53F2-DB4F-4A5D-9A80-FF6C261EF82F}"/>
+              </a:ext>
+            </a:extLst>
+          </p:cNvPr>
+          <p:cNvSpPr>
+            <a:spLocks noGrp="1"/>
+          </p:cNvSpPr>
+          <p:nvPr>
+            <p:ph type="ftr" sz="quarter" idx="15"/>
+          </p:nvPr>
+        </p:nvSpPr>
+        <p:spPr/>
+        <p:txBody>
+          <a:bodyPr/>
+          <a:lstStyle/>
+          <a:p>
+            <a:r>
+              <a:rPr lang="en-US" dirty="0"/>
+              <a:t>Merging Attributes</a:t>
+            </a:r>
+          </a:p>
+        </p:txBody>
+      </p:sp>
+      <p:sp>
+        <p:nvSpPr>
+          <p:cNvPr id="5" name="Foliennummernplatzhalter 4">
+            <a:extLst>
+              <a:ext uri="{FF2B5EF4-FFF2-40B4-BE49-F238E27FC236}">
+                <a16:creationId xmlns:a16="http://schemas.microsoft.com/office/drawing/2014/main" id="{81F28578-858C-4D61-9387-A9306A7DA2E2}"/>
+              </a:ext>
+            </a:extLst>
+          </p:cNvPr>
+          <p:cNvSpPr>
+            <a:spLocks noGrp="1"/>
+          </p:cNvSpPr>
+          <p:nvPr>
+            <p:ph type="sldNum" sz="quarter" idx="16"/>
+          </p:nvPr>
+        </p:nvSpPr>
+        <p:spPr/>
+        <p:txBody>
+          <a:bodyPr/>
+          <a:lstStyle/>
+          <a:p>
+            <a:r>
+              <a:rPr lang="en-US"/>
+              <a:t>Chart </a:t>
+            </a:r>
+            <a:fld id="{91D913BA-B0D8-4B51-9328-DFAA0B370309}" type="slidenum">
+              <a:rPr lang="en-US" b="1" smtClean="0"/>
+              <a:pPr/>
+              <a:t>11</a:t>
+            </a:fld>
+            <a:endParaRPr lang="en-US" b="1" dirty="0"/>
+          </a:p>
+        </p:txBody>
+      </p:sp>
+      <p:sp>
+        <p:nvSpPr>
+          <p:cNvPr id="6" name="Titel 5">
+            <a:extLst>
+              <a:ext uri="{FF2B5EF4-FFF2-40B4-BE49-F238E27FC236}">
+                <a16:creationId xmlns:a16="http://schemas.microsoft.com/office/drawing/2014/main" id="{E70F6ED1-9F6F-4266-AA73-CD7A54F883E9}"/>
+              </a:ext>
+            </a:extLst>
+          </p:cNvPr>
+          <p:cNvSpPr>
+            <a:spLocks noGrp="1"/>
+          </p:cNvSpPr>
+          <p:nvPr>
+            <p:ph type="title"/>
+          </p:nvPr>
+        </p:nvSpPr>
+        <p:spPr/>
+        <p:txBody>
+          <a:bodyPr/>
+          <a:lstStyle/>
+          <a:p>
+            <a:r>
+              <a:rPr lang="en-US" dirty="0"/>
+              <a:t>Summary</a:t>
+            </a:r>
+          </a:p>
+        </p:txBody>
+      </p:sp>
+    </p:spTree>
+    <p:extLst>
+      <p:ext uri="{BB962C8B-B14F-4D97-AF65-F5344CB8AC3E}">
+        <p14:creationId xmlns:p14="http://schemas.microsoft.com/office/powerpoint/2010/main" val="4165448768"/>
+      </p:ext>
+    </p:extLst>
+  </p:cSld>
+  <p:clrMapOvr>
+    <a:masterClrMapping/>
+  </p:clrMapOvr>
+  <p:transition>
+    <p:fade/>
+  </p:transition>
+</p:sld>
+</file>
+
+<file path=ppt/slides/slide12.xml><?xml version="1.0" encoding="utf-8"?>
+<p:sld xmlns:a="http://schemas.openxmlformats.org/drawingml/2006/main" xmlns:r="http://schemas.openxmlformats.org/officeDocument/2006/relationships" xmlns:p="http://schemas.openxmlformats.org/presentationml/2006/main">
+  <p:cSld>
+    <p:spTree>
+      <p:nvGrpSpPr>
+        <p:cNvPr id="1" name=""/>
+        <p:cNvGrpSpPr/>
+        <p:nvPr/>
+      </p:nvGrpSpPr>
+      <p:grpSpPr>
+        <a:xfrm>
+          <a:off x="0" y="0"/>
+          <a:ext cx="0" cy="0"/>
+          <a:chOff x="0" y="0"/>
+          <a:chExt cx="0" cy="0"/>
+        </a:xfrm>
+      </p:grpSpPr>
+      <p:sp>
+        <p:nvSpPr>
           <p:cNvPr id="6" name="Bildplatzhalter 5"/>
           <p:cNvSpPr>
             <a:spLocks noGrp="1"/>
@@ -11926,7 +13228,12 @@
             <p:ph type="pic" sz="quarter" idx="10"/>
           </p:nvPr>
         </p:nvSpPr>
-        <p:spPr/>
+        <p:spPr>
+          <a:xfrm>
+            <a:off x="358775" y="1058862"/>
+            <a:ext cx="8605838" cy="3744913"/>
+          </a:xfrm>
+        </p:spPr>
       </p:sp>
       <p:sp>
         <p:nvSpPr>
@@ -12074,7 +13381,7 @@
         <p:spPr bwMode="auto">
           <a:xfrm>
             <a:off x="3419872" y="1334510"/>
-            <a:ext cx="3024336" cy="2334898"/>
+            <a:ext cx="2592288" cy="2001341"/>
           </a:xfrm>
           <a:prstGeom prst="rect">
             <a:avLst/>
@@ -12107,7 +13414,7 @@
 </p:sld>
 </file>
 
-<file path=ppt/slides/slide11.xml><?xml version="1.0" encoding="utf-8"?>
+<file path=ppt/slides/slide13.xml><?xml version="1.0" encoding="utf-8"?>
 <p:sld xmlns:a="http://schemas.openxmlformats.org/drawingml/2006/main" xmlns:r="http://schemas.openxmlformats.org/officeDocument/2006/relationships" xmlns:p="http://schemas.openxmlformats.org/presentationml/2006/main" show="0">
   <p:cSld>
     <p:spTree>
@@ -12240,7 +13547,7 @@
 </p:sld>
 </file>
 
-<file path=ppt/slides/slide12.xml><?xml version="1.0" encoding="utf-8"?>
+<file path=ppt/slides/slide14.xml><?xml version="1.0" encoding="utf-8"?>
 <p:sld xmlns:a="http://schemas.openxmlformats.org/drawingml/2006/main" xmlns:r="http://schemas.openxmlformats.org/officeDocument/2006/relationships" xmlns:p="http://schemas.openxmlformats.org/presentationml/2006/main" show="0">
   <p:cSld>
     <p:spTree>
@@ -12355,7 +13662,7 @@
 </p:sld>
 </file>
 
-<file path=ppt/slides/slide13.xml><?xml version="1.0" encoding="utf-8"?>
+<file path=ppt/slides/slide15.xml><?xml version="1.0" encoding="utf-8"?>
 <p:sld xmlns:a="http://schemas.openxmlformats.org/drawingml/2006/main" xmlns:r="http://schemas.openxmlformats.org/officeDocument/2006/relationships" xmlns:p="http://schemas.openxmlformats.org/presentationml/2006/main" show="0">
   <p:cSld>
     <p:spTree>
@@ -12455,7 +13762,7 @@
 </p:sld>
 </file>
 
-<file path=ppt/slides/slide14.xml><?xml version="1.0" encoding="utf-8"?>
+<file path=ppt/slides/slide16.xml><?xml version="1.0" encoding="utf-8"?>
 <p:sld xmlns:a="http://schemas.openxmlformats.org/drawingml/2006/main" xmlns:r="http://schemas.openxmlformats.org/officeDocument/2006/relationships" xmlns:p="http://schemas.openxmlformats.org/presentationml/2006/main" show="0">
   <p:cSld>
     <p:spTree>
@@ -12944,7 +14251,7 @@
             <a:fld id="{91D913BA-B0D8-4B51-9328-DFAA0B370309}" type="slidenum">
               <a:rPr lang="en-US" b="1" smtClean="0"/>
               <a:pPr/>
-              <a:t>14</a:t>
+              <a:t>16</a:t>
             </a:fld>
             <a:endParaRPr lang="en-US" b="1" dirty="0"/>
           </a:p>
@@ -13021,7 +14328,7 @@
 </p:sld>
 </file>
 
-<file path=ppt/slides/slide15.xml><?xml version="1.0" encoding="utf-8"?>
+<file path=ppt/slides/slide17.xml><?xml version="1.0" encoding="utf-8"?>
 <p:sld xmlns:a="http://schemas.openxmlformats.org/drawingml/2006/main" xmlns:r="http://schemas.openxmlformats.org/officeDocument/2006/relationships" xmlns:p="http://schemas.openxmlformats.org/presentationml/2006/main" show="0">
   <p:cSld>
     <p:spTree>
@@ -13775,7 +15082,7 @@
             <a:fld id="{91D913BA-B0D8-4B51-9328-DFAA0B370309}" type="slidenum">
               <a:rPr lang="en-US" b="1" smtClean="0"/>
               <a:pPr/>
-              <a:t>15</a:t>
+              <a:t>17</a:t>
             </a:fld>
             <a:endParaRPr lang="en-US" b="1" dirty="0"/>
           </a:p>
@@ -13915,7 +15222,7 @@
 </p:sld>
 </file>
 
-<file path=ppt/slides/slide16.xml><?xml version="1.0" encoding="utf-8"?>
+<file path=ppt/slides/slide18.xml><?xml version="1.0" encoding="utf-8"?>
 <p:sld xmlns:a="http://schemas.openxmlformats.org/drawingml/2006/main" xmlns:r="http://schemas.openxmlformats.org/officeDocument/2006/relationships" xmlns:p="http://schemas.openxmlformats.org/presentationml/2006/main" show="0">
   <p:cSld>
     <p:spTree>
@@ -14548,7 +15855,7 @@
             <a:fld id="{91D913BA-B0D8-4B51-9328-DFAA0B370309}" type="slidenum">
               <a:rPr lang="en-US" b="1" smtClean="0"/>
               <a:pPr/>
-              <a:t>16</a:t>
+              <a:t>18</a:t>
             </a:fld>
             <a:endParaRPr lang="en-US" b="1" dirty="0"/>
           </a:p>
@@ -14626,7 +15933,7 @@
 </p:sld>
 </file>
 
-<file path=ppt/slides/slide17.xml><?xml version="1.0" encoding="utf-8"?>
+<file path=ppt/slides/slide19.xml><?xml version="1.0" encoding="utf-8"?>
 <p:sld xmlns:a="http://schemas.openxmlformats.org/drawingml/2006/main" xmlns:r="http://schemas.openxmlformats.org/officeDocument/2006/relationships" xmlns:p="http://schemas.openxmlformats.org/presentationml/2006/main" show="0">
   <p:cSld>
     <p:spTree>
@@ -14832,7 +16139,7 @@
             <a:fld id="{91D913BA-B0D8-4B51-9328-DFAA0B370309}" type="slidenum">
               <a:rPr lang="en-US" b="1" smtClean="0"/>
               <a:pPr/>
-              <a:t>17</a:t>
+              <a:t>19</a:t>
             </a:fld>
             <a:endParaRPr lang="en-US" b="1" dirty="0"/>
           </a:p>
@@ -15159,62 +16466,52 @@
           <a:lstStyle/>
           <a:p>
             <a:r>
-              <a:rPr lang="en-US" dirty="0"/>
+              <a:rPr lang="en-US" sz="1600" dirty="0"/>
               <a:t>Introduction</a:t>
             </a:r>
           </a:p>
           <a:p>
             <a:r>
-              <a:rPr lang="en-US" dirty="0"/>
-              <a:t>Use Cases</a:t>
+              <a:rPr lang="en-US" sz="1600" dirty="0"/>
+              <a:t>Use Cases Merge interleaving columns</a:t>
             </a:r>
           </a:p>
           <a:p>
             <a:pPr lvl="1"/>
             <a:r>
-              <a:rPr lang="en-US" dirty="0"/>
-              <a:t>Merge duplicated columns</a:t>
+              <a:rPr lang="en-US" sz="1600" dirty="0"/>
+              <a:t>Threshold and Weight function</a:t>
             </a:r>
           </a:p>
           <a:p>
             <a:pPr lvl="1"/>
             <a:r>
-              <a:rPr lang="en-US" dirty="0"/>
-              <a:t>Merge date parts</a:t>
+              <a:rPr lang="en-US" sz="1600" dirty="0"/>
+              <a:t>Statistical test</a:t>
             </a:r>
           </a:p>
           <a:p>
             <a:pPr lvl="1"/>
             <a:r>
-              <a:rPr lang="en-US" dirty="0"/>
-              <a:t>Merge interleaving columns</a:t>
-            </a:r>
-          </a:p>
-          <a:p>
-            <a:r>
-              <a:rPr lang="en-US" dirty="0"/>
-              <a:t>Statistic test?</a:t>
-            </a:r>
-          </a:p>
-          <a:p>
-            <a:r>
-              <a:rPr lang="en-US" dirty="0" err="1"/>
-              <a:t>calApplicability</a:t>
-            </a:r>
-            <a:r>
-              <a:rPr lang="en-US" dirty="0"/>
-              <a:t>?</a:t>
-            </a:r>
-          </a:p>
-          <a:p>
-            <a:r>
-              <a:rPr lang="en-US" dirty="0"/>
+              <a:rPr lang="en-US" sz="1600" dirty="0"/>
+              <a:t>Merge conflicts</a:t>
+            </a:r>
+          </a:p>
+          <a:p>
+            <a:r>
+              <a:rPr lang="en-US" sz="1600" dirty="0"/>
+              <a:t>Use Case Merge date parts</a:t>
+            </a:r>
+          </a:p>
+          <a:p>
+            <a:r>
+              <a:rPr lang="en-US" sz="1600" dirty="0"/>
               <a:t>Open tasks</a:t>
             </a:r>
           </a:p>
           <a:p>
             <a:r>
-              <a:rPr lang="en-US" dirty="0"/>
+              <a:rPr lang="en-US" sz="1600" dirty="0"/>
               <a:t>Summary</a:t>
             </a:r>
           </a:p>
@@ -15357,10 +16654,10 @@
           <a:lstStyle/>
           <a:p>
             <a:r>
-              <a:rPr lang="de-DE" dirty="0"/>
+              <a:rPr lang="de-DE" sz="1600" dirty="0"/>
               <a:t>Last time:</a:t>
             </a:r>
-            <a:endParaRPr lang="en-US" dirty="0"/>
+            <a:endParaRPr lang="en-US" sz="1600" dirty="0"/>
           </a:p>
         </p:txBody>
       </p:sp>
@@ -15418,9 +16715,22 @@
           <a:lstStyle/>
           <a:p>
             <a:r>
-              <a:rPr lang="en-US" dirty="0"/>
-              <a:t>Speaker, Job Description, Date if needed</a:t>
-            </a:r>
+              <a:rPr lang="de-DE" dirty="0"/>
+              <a:t>Felix </a:t>
+            </a:r>
+            <a:r>
+              <a:rPr lang="de-DE" dirty="0" err="1"/>
+              <a:t>Grzelka</a:t>
+            </a:r>
+            <a:r>
+              <a:rPr lang="de-DE" dirty="0"/>
+              <a:t>, Margaux </a:t>
+            </a:r>
+            <a:r>
+              <a:rPr lang="de-DE" dirty="0" err="1"/>
+              <a:t>Gatrio</a:t>
+            </a:r>
+            <a:endParaRPr lang="en-US" dirty="0"/>
           </a:p>
         </p:txBody>
       </p:sp>
@@ -15446,7 +16756,7 @@
           <a:p>
             <a:r>
               <a:rPr lang="en-US" dirty="0"/>
-              <a:t>Presentation Title</a:t>
+              <a:t>Merging Attributes</a:t>
             </a:r>
           </a:p>
         </p:txBody>
@@ -15516,117 +16826,82 @@
       </p:grpSpPr>
       <p:sp>
         <p:nvSpPr>
-          <p:cNvPr id="8" name="Textplatzhalter 7"/>
-          <p:cNvSpPr>
-            <a:spLocks noGrp="1"/>
-          </p:cNvSpPr>
-          <p:nvPr>
-            <p:ph type="body" sz="quarter" idx="13"/>
-          </p:nvPr>
-        </p:nvSpPr>
-        <p:spPr>
-          <a:xfrm>
-            <a:off x="4673771" y="1829407"/>
-            <a:ext cx="3880954" cy="2105285"/>
-          </a:xfrm>
-        </p:spPr>
+          <p:cNvPr id="3" name="Datumsplatzhalter 2">
+            <a:extLst>
+              <a:ext uri="{FF2B5EF4-FFF2-40B4-BE49-F238E27FC236}">
+                <a16:creationId xmlns:a16="http://schemas.microsoft.com/office/drawing/2014/main" id="{F62D66F2-2807-496E-A75B-01634C85300E}"/>
+              </a:ext>
+            </a:extLst>
+          </p:cNvPr>
+          <p:cNvSpPr>
+            <a:spLocks noGrp="1"/>
+          </p:cNvSpPr>
+          <p:nvPr>
+            <p:ph type="dt" sz="half" idx="14"/>
+          </p:nvPr>
+        </p:nvSpPr>
+        <p:spPr/>
         <p:txBody>
           <a:bodyPr/>
           <a:lstStyle/>
           <a:p>
-            <a:endParaRPr lang="de-DE" dirty="0"/>
-          </a:p>
-        </p:txBody>
-      </p:sp>
-      <p:sp>
-        <p:nvSpPr>
-          <p:cNvPr id="7" name="Titel 6"/>
-          <p:cNvSpPr>
-            <a:spLocks noGrp="1"/>
-          </p:cNvSpPr>
-          <p:nvPr>
-            <p:ph type="title"/>
-          </p:nvPr>
-        </p:nvSpPr>
-        <p:spPr>
-          <a:xfrm>
-            <a:off x="358776" y="108001"/>
-            <a:ext cx="6877051" cy="927588"/>
-          </a:xfrm>
-        </p:spPr>
+            <a:r>
+              <a:rPr lang="en-US" dirty="0"/>
+              <a:t>Felix </a:t>
+            </a:r>
+            <a:r>
+              <a:rPr lang="en-US" dirty="0" err="1"/>
+              <a:t>Grzelka</a:t>
+            </a:r>
+            <a:r>
+              <a:rPr lang="en-US" dirty="0"/>
+              <a:t>, Margaux </a:t>
+            </a:r>
+            <a:r>
+              <a:rPr lang="en-US" dirty="0" err="1"/>
+              <a:t>Gatrio</a:t>
+            </a:r>
+            <a:endParaRPr lang="en-US" dirty="0"/>
+          </a:p>
+        </p:txBody>
+      </p:sp>
+      <p:sp>
+        <p:nvSpPr>
+          <p:cNvPr id="4" name="Fußzeilenplatzhalter 3">
+            <a:extLst>
+              <a:ext uri="{FF2B5EF4-FFF2-40B4-BE49-F238E27FC236}">
+                <a16:creationId xmlns:a16="http://schemas.microsoft.com/office/drawing/2014/main" id="{A8D682C4-9BE1-4323-A59B-313B10743E64}"/>
+              </a:ext>
+            </a:extLst>
+          </p:cNvPr>
+          <p:cNvSpPr>
+            <a:spLocks noGrp="1"/>
+          </p:cNvSpPr>
+          <p:nvPr>
+            <p:ph type="ftr" sz="quarter" idx="15"/>
+          </p:nvPr>
+        </p:nvSpPr>
+        <p:spPr/>
         <p:txBody>
           <a:bodyPr/>
           <a:lstStyle/>
           <a:p>
             <a:r>
-              <a:rPr lang="de-DE" dirty="0"/>
-              <a:t>Use Case 1: </a:t>
-            </a:r>
-            <a:r>
-              <a:rPr lang="de-DE" dirty="0" err="1"/>
-              <a:t>Merge</a:t>
-            </a:r>
-            <a:r>
-              <a:rPr lang="de-DE" dirty="0"/>
-              <a:t> </a:t>
-            </a:r>
-            <a:r>
-              <a:rPr lang="de-DE" dirty="0" err="1"/>
-              <a:t>Duplicates</a:t>
-            </a:r>
-            <a:endParaRPr lang="de-DE" dirty="0"/>
-          </a:p>
-        </p:txBody>
-      </p:sp>
-      <p:sp>
-        <p:nvSpPr>
-          <p:cNvPr id="4" name="Datumsplatzhalter 3"/>
-          <p:cNvSpPr>
-            <a:spLocks noGrp="1"/>
-          </p:cNvSpPr>
-          <p:nvPr>
-            <p:ph type="dt" sz="half" idx="14"/>
-          </p:nvPr>
-        </p:nvSpPr>
-        <p:spPr/>
-        <p:txBody>
-          <a:bodyPr/>
-          <a:lstStyle/>
-          <a:p>
-            <a:r>
-              <a:rPr lang="en-US"/>
-              <a:t>Speaker, Job Description, Date if needed</a:t>
-            </a:r>
-            <a:endParaRPr lang="en-US" dirty="0"/>
-          </a:p>
-        </p:txBody>
-      </p:sp>
-      <p:sp>
-        <p:nvSpPr>
-          <p:cNvPr id="5" name="Fußzeilenplatzhalter 4"/>
-          <p:cNvSpPr>
-            <a:spLocks noGrp="1"/>
-          </p:cNvSpPr>
-          <p:nvPr>
-            <p:ph type="ftr" sz="quarter" idx="15"/>
-          </p:nvPr>
-        </p:nvSpPr>
-        <p:spPr/>
-        <p:txBody>
-          <a:bodyPr/>
-          <a:lstStyle/>
-          <a:p>
-            <a:r>
-              <a:rPr lang="en-US"/>
-              <a:t>Presentation Title</a:t>
-            </a:r>
-            <a:endParaRPr lang="en-US" dirty="0"/>
-          </a:p>
-        </p:txBody>
-      </p:sp>
-      <p:sp>
-        <p:nvSpPr>
-          <p:cNvPr id="6" name="Foliennummernplatzhalter 5"/>
+              <a:rPr lang="en-US" dirty="0"/>
+              <a:t>Merging Attributes</a:t>
+            </a:r>
+          </a:p>
+        </p:txBody>
+      </p:sp>
+      <p:sp>
+        <p:nvSpPr>
+          <p:cNvPr id="5" name="Foliennummernplatzhalter 4">
+            <a:extLst>
+              <a:ext uri="{FF2B5EF4-FFF2-40B4-BE49-F238E27FC236}">
+                <a16:creationId xmlns:a16="http://schemas.microsoft.com/office/drawing/2014/main" id="{1EC0E5E1-56ED-4259-AC4B-21D928396D6E}"/>
+              </a:ext>
+            </a:extLst>
+          </p:cNvPr>
           <p:cNvSpPr>
             <a:spLocks noGrp="1"/>
           </p:cNvSpPr>
@@ -15652,151 +16927,178 @@
           </a:p>
         </p:txBody>
       </p:sp>
+      <p:sp>
+        <p:nvSpPr>
+          <p:cNvPr id="12" name="Textplatzhalter 11">
+            <a:extLst>
+              <a:ext uri="{FF2B5EF4-FFF2-40B4-BE49-F238E27FC236}">
+                <a16:creationId xmlns:a16="http://schemas.microsoft.com/office/drawing/2014/main" id="{847FBD63-55DD-4388-BEC1-A5AC2322283D}"/>
+              </a:ext>
+            </a:extLst>
+          </p:cNvPr>
+          <p:cNvSpPr>
+            <a:spLocks noGrp="1"/>
+          </p:cNvSpPr>
+          <p:nvPr>
+            <p:ph type="body" sz="quarter" idx="13"/>
+          </p:nvPr>
+        </p:nvSpPr>
+        <p:spPr/>
+        <p:txBody>
+          <a:bodyPr/>
+          <a:lstStyle/>
+          <a:p>
+            <a:r>
+              <a:rPr lang="en-US" altLang="en-US" sz="1600" dirty="0" err="1">
+                <a:latin typeface="Courier New" panose="02070309020205020404" pitchFamily="49" charset="0"/>
+                <a:cs typeface="Courier New" panose="02070309020205020404" pitchFamily="49" charset="0"/>
+              </a:rPr>
+              <a:t>Math.</a:t>
+            </a:r>
+            <a:r>
+              <a:rPr lang="en-US" altLang="en-US" sz="1600" i="1" dirty="0" err="1">
+                <a:latin typeface="Courier New" panose="02070309020205020404" pitchFamily="49" charset="0"/>
+                <a:cs typeface="Courier New" panose="02070309020205020404" pitchFamily="49" charset="0"/>
+              </a:rPr>
+              <a:t>max</a:t>
+            </a:r>
+            <a:r>
+              <a:rPr lang="en-US" altLang="en-US" sz="1600" dirty="0">
+                <a:latin typeface="Courier New" panose="02070309020205020404" pitchFamily="49" charset="0"/>
+                <a:cs typeface="Courier New" panose="02070309020205020404" pitchFamily="49" charset="0"/>
+              </a:rPr>
+              <a:t>(applicability + </a:t>
+            </a:r>
+            <a:r>
+              <a:rPr lang="en-US" altLang="en-US" sz="1600" i="1" dirty="0">
+                <a:latin typeface="Courier New" panose="02070309020205020404" pitchFamily="49" charset="0"/>
+                <a:cs typeface="Courier New" panose="02070309020205020404" pitchFamily="49" charset="0"/>
+              </a:rPr>
+              <a:t>bias</a:t>
+            </a:r>
+            <a:r>
+              <a:rPr lang="en-US" altLang="en-US" sz="1600" dirty="0">
+                <a:latin typeface="Courier New" panose="02070309020205020404" pitchFamily="49" charset="0"/>
+                <a:cs typeface="Courier New" panose="02070309020205020404" pitchFamily="49" charset="0"/>
+              </a:rPr>
+              <a:t>,0) * </a:t>
+            </a:r>
+            <a:r>
+              <a:rPr lang="en-US" altLang="en-US" sz="1600" i="1" dirty="0">
+                <a:latin typeface="Courier New" panose="02070309020205020404" pitchFamily="49" charset="0"/>
+                <a:cs typeface="Courier New" panose="02070309020205020404" pitchFamily="49" charset="0"/>
+              </a:rPr>
+              <a:t>weight</a:t>
+            </a:r>
+          </a:p>
+          <a:p>
+            <a:r>
+              <a:rPr lang="de-DE" sz="1600" i="1" dirty="0">
+                <a:latin typeface="Courier New" panose="02070309020205020404" pitchFamily="49" charset="0"/>
+                <a:cs typeface="Courier New" panose="02070309020205020404" pitchFamily="49" charset="0"/>
+              </a:rPr>
+              <a:t>W</a:t>
+            </a:r>
+            <a:r>
+              <a:rPr lang="en-US" sz="1600" i="1" dirty="0">
+                <a:latin typeface="Courier New" panose="02070309020205020404" pitchFamily="49" charset="0"/>
+                <a:cs typeface="Courier New" panose="02070309020205020404" pitchFamily="49" charset="0"/>
+              </a:rPr>
+              <a:t>eight = 4</a:t>
+            </a:r>
+          </a:p>
+          <a:p>
+            <a:r>
+              <a:rPr lang="de-DE" sz="1600" i="1" dirty="0">
+                <a:latin typeface="Courier New" panose="02070309020205020404" pitchFamily="49" charset="0"/>
+                <a:cs typeface="Courier New" panose="02070309020205020404" pitchFamily="49" charset="0"/>
+              </a:rPr>
+              <a:t>B</a:t>
+            </a:r>
+            <a:r>
+              <a:rPr lang="en-US" sz="1600" i="1" dirty="0" err="1">
+                <a:latin typeface="Courier New" panose="02070309020205020404" pitchFamily="49" charset="0"/>
+                <a:cs typeface="Courier New" panose="02070309020205020404" pitchFamily="49" charset="0"/>
+              </a:rPr>
+              <a:t>ias</a:t>
+            </a:r>
+            <a:r>
+              <a:rPr lang="en-US" sz="1600" i="1" dirty="0">
+                <a:latin typeface="Courier New" panose="02070309020205020404" pitchFamily="49" charset="0"/>
+                <a:cs typeface="Courier New" panose="02070309020205020404" pitchFamily="49" charset="0"/>
+              </a:rPr>
+              <a:t> = -0.75</a:t>
+            </a:r>
+            <a:endParaRPr lang="en-US" sz="1600" dirty="0"/>
+          </a:p>
+        </p:txBody>
+      </p:sp>
+      <p:sp>
+        <p:nvSpPr>
+          <p:cNvPr id="6" name="Titel 5">
+            <a:extLst>
+              <a:ext uri="{FF2B5EF4-FFF2-40B4-BE49-F238E27FC236}">
+                <a16:creationId xmlns:a16="http://schemas.microsoft.com/office/drawing/2014/main" id="{7D532AD3-CEB6-4C46-AC96-27DF50121CAB}"/>
+              </a:ext>
+            </a:extLst>
+          </p:cNvPr>
+          <p:cNvSpPr>
+            <a:spLocks noGrp="1"/>
+          </p:cNvSpPr>
+          <p:nvPr>
+            <p:ph type="title"/>
+          </p:nvPr>
+        </p:nvSpPr>
+        <p:spPr/>
+        <p:txBody>
+          <a:bodyPr/>
+          <a:lstStyle/>
+          <a:p>
+            <a:r>
+              <a:rPr lang="de-DE" dirty="0"/>
+              <a:t>Use </a:t>
+            </a:r>
+            <a:r>
+              <a:rPr lang="en-US" dirty="0"/>
+              <a:t>Case 1: Merge Interleaving columns</a:t>
+            </a:r>
+          </a:p>
+        </p:txBody>
+      </p:sp>
       <p:pic>
         <p:nvPicPr>
-          <p:cNvPr id="1026" name="Picture 2" descr="https://www.meme-arsenal.com/memes/d9e244455685fe3d641caa8833fb7a84.jpg">
+          <p:cNvPr id="8" name="Grafik 7">
             <a:extLst>
               <a:ext uri="{FF2B5EF4-FFF2-40B4-BE49-F238E27FC236}">
-                <a16:creationId xmlns:a16="http://schemas.microsoft.com/office/drawing/2014/main" id="{78D3CD00-7446-498F-AB0B-67A581ECBAE8}"/>
+                <a16:creationId xmlns:a16="http://schemas.microsoft.com/office/drawing/2014/main" id="{F9EEB376-5D63-4ED3-ABEE-9FFF2F00B85A}"/>
               </a:ext>
             </a:extLst>
           </p:cNvPr>
           <p:cNvPicPr>
-            <a:picLocks noChangeAspect="1" noChangeArrowheads="1"/>
+            <a:picLocks noChangeAspect="1"/>
           </p:cNvPicPr>
           <p:nvPr/>
         </p:nvPicPr>
         <p:blipFill>
-          <a:blip r:embed="rId2">
-            <a:extLst>
-              <a:ext uri="{28A0092B-C50C-407E-A947-70E740481C1C}">
-                <a14:useLocalDpi xmlns:a14="http://schemas.microsoft.com/office/drawing/2010/main" val="0"/>
-              </a:ext>
-            </a:extLst>
-          </a:blip>
-          <a:srcRect/>
+          <a:blip r:embed="rId2"/>
           <a:stretch>
             <a:fillRect/>
           </a:stretch>
         </p:blipFill>
-        <p:spPr bwMode="auto">
+        <p:spPr>
           <a:xfrm>
-            <a:off x="203907" y="1006424"/>
-            <a:ext cx="2857500" cy="4029075"/>
+            <a:off x="1714143" y="2715766"/>
+            <a:ext cx="5439132" cy="2077307"/>
           </a:xfrm>
           <a:prstGeom prst="rect">
             <a:avLst/>
           </a:prstGeom>
-          <a:noFill/>
-          <a:extLst>
-            <a:ext uri="{909E8E84-426E-40DD-AFC4-6F175D3DCCD1}">
-              <a14:hiddenFill xmlns:a14="http://schemas.microsoft.com/office/drawing/2010/main">
-                <a:solidFill>
-                  <a:srgbClr val="FFFFFF"/>
-                </a:solidFill>
-              </a14:hiddenFill>
-            </a:ext>
-          </a:extLst>
-        </p:spPr>
-      </p:pic>
-      <p:pic>
-        <p:nvPicPr>
-          <p:cNvPr id="1028" name="Picture 4" descr="http://opfocus.com/wp-content/uploads/55908063.jpg">
-            <a:extLst>
-              <a:ext uri="{FF2B5EF4-FFF2-40B4-BE49-F238E27FC236}">
-                <a16:creationId xmlns:a16="http://schemas.microsoft.com/office/drawing/2014/main" id="{D0010D16-BD55-457B-A438-E5F797EC5B0D}"/>
-              </a:ext>
-            </a:extLst>
-          </p:cNvPr>
-          <p:cNvPicPr>
-            <a:picLocks noChangeAspect="1" noChangeArrowheads="1"/>
-          </p:cNvPicPr>
-          <p:nvPr/>
-        </p:nvPicPr>
-        <p:blipFill>
-          <a:blip r:embed="rId3">
-            <a:extLst>
-              <a:ext uri="{28A0092B-C50C-407E-A947-70E740481C1C}">
-                <a14:useLocalDpi xmlns:a14="http://schemas.microsoft.com/office/drawing/2010/main" val="0"/>
-              </a:ext>
-            </a:extLst>
-          </a:blip>
-          <a:srcRect/>
-          <a:stretch>
-            <a:fillRect/>
-          </a:stretch>
-        </p:blipFill>
-        <p:spPr bwMode="auto">
-          <a:xfrm>
-            <a:off x="3084324" y="1336387"/>
-            <a:ext cx="2381250" cy="2381250"/>
-          </a:xfrm>
-          <a:prstGeom prst="rect">
-            <a:avLst/>
-          </a:prstGeom>
-          <a:noFill/>
-          <a:extLst>
-            <a:ext uri="{909E8E84-426E-40DD-AFC4-6F175D3DCCD1}">
-              <a14:hiddenFill xmlns:a14="http://schemas.microsoft.com/office/drawing/2010/main">
-                <a:solidFill>
-                  <a:srgbClr val="FFFFFF"/>
-                </a:solidFill>
-              </a14:hiddenFill>
-            </a:ext>
-          </a:extLst>
-        </p:spPr>
-      </p:pic>
-      <p:pic>
-        <p:nvPicPr>
-          <p:cNvPr id="1032" name="Picture 8" descr="https://blog.nuvemconsulting.com/wp-content/uploads/sites/2/2017/09/Salesforce-memes-4.png">
-            <a:extLst>
-              <a:ext uri="{FF2B5EF4-FFF2-40B4-BE49-F238E27FC236}">
-                <a16:creationId xmlns:a16="http://schemas.microsoft.com/office/drawing/2014/main" id="{381AB1D1-1904-43F8-AB94-16C24AEDB4BA}"/>
-              </a:ext>
-            </a:extLst>
-          </p:cNvPr>
-          <p:cNvPicPr>
-            <a:picLocks noChangeAspect="1" noChangeArrowheads="1"/>
-          </p:cNvPicPr>
-          <p:nvPr/>
-        </p:nvPicPr>
-        <p:blipFill>
-          <a:blip r:embed="rId4">
-            <a:extLst>
-              <a:ext uri="{28A0092B-C50C-407E-A947-70E740481C1C}">
-                <a14:useLocalDpi xmlns:a14="http://schemas.microsoft.com/office/drawing/2010/main" val="0"/>
-              </a:ext>
-            </a:extLst>
-          </a:blip>
-          <a:srcRect/>
-          <a:stretch>
-            <a:fillRect/>
-          </a:stretch>
-        </p:blipFill>
-        <p:spPr bwMode="auto">
-          <a:xfrm>
-            <a:off x="5508104" y="1270620"/>
-            <a:ext cx="2492582" cy="2813298"/>
-          </a:xfrm>
-          <a:prstGeom prst="rect">
-            <a:avLst/>
-          </a:prstGeom>
-          <a:noFill/>
-          <a:extLst>
-            <a:ext uri="{909E8E84-426E-40DD-AFC4-6F175D3DCCD1}">
-              <a14:hiddenFill xmlns:a14="http://schemas.microsoft.com/office/drawing/2010/main">
-                <a:solidFill>
-                  <a:srgbClr val="FFFFFF"/>
-                </a:solidFill>
-              </a14:hiddenFill>
-            </a:ext>
-          </a:extLst>
         </p:spPr>
       </p:pic>
     </p:spTree>
     <p:extLst>
       <p:ext uri="{BB962C8B-B14F-4D97-AF65-F5344CB8AC3E}">
-        <p14:creationId xmlns:p14="http://schemas.microsoft.com/office/powerpoint/2010/main" val="3110667540"/>
+        <p14:creationId xmlns:p14="http://schemas.microsoft.com/office/powerpoint/2010/main" val="3488915051"/>
       </p:ext>
     </p:extLst>
   </p:cSld>
@@ -15831,7 +17133,7 @@
           <p:cNvPr id="2" name="Textplatzhalter 1">
             <a:extLst>
               <a:ext uri="{FF2B5EF4-FFF2-40B4-BE49-F238E27FC236}">
-                <a16:creationId xmlns:a16="http://schemas.microsoft.com/office/drawing/2014/main" id="{7A87283F-B569-4B49-BCCF-856E735F9027}"/>
+                <a16:creationId xmlns:a16="http://schemas.microsoft.com/office/drawing/2014/main" id="{CEFF53A9-BCD7-4656-ABA8-0245E13604CE}"/>
               </a:ext>
             </a:extLst>
           </p:cNvPr>
@@ -15847,16 +17149,103 @@
           <a:bodyPr/>
           <a:lstStyle/>
           <a:p>
-            <a:endParaRPr lang="en-US" dirty="0"/>
-          </a:p>
-        </p:txBody>
-      </p:sp>
-      <p:sp>
-        <p:nvSpPr>
-          <p:cNvPr id="3" name="Datumsplatzhalter 2">
+            <a:r>
+              <a:rPr lang="de-DE" sz="1600" dirty="0" err="1"/>
+              <a:t>Distribuition</a:t>
+            </a:r>
+            <a:r>
+              <a:rPr lang="de-DE" sz="1600" dirty="0"/>
+              <a:t> </a:t>
+            </a:r>
+            <a:r>
+              <a:rPr lang="de-DE" sz="1600" dirty="0" err="1"/>
+              <a:t>is</a:t>
+            </a:r>
+            <a:r>
+              <a:rPr lang="de-DE" sz="1600" dirty="0"/>
+              <a:t> </a:t>
+            </a:r>
+            <a:r>
+              <a:rPr lang="de-DE" sz="1600" dirty="0" err="1"/>
+              <a:t>unknown</a:t>
+            </a:r>
+            <a:r>
+              <a:rPr lang="en-US" sz="1600" dirty="0"/>
+              <a:t> -&gt; assumption no normal distribution</a:t>
+            </a:r>
+          </a:p>
+          <a:p>
+            <a:endParaRPr lang="de-DE" sz="1600" dirty="0"/>
+          </a:p>
+          <a:p>
+            <a:r>
+              <a:rPr lang="de-DE" sz="1600" dirty="0"/>
+              <a:t>-</a:t>
+            </a:r>
+            <a:r>
+              <a:rPr lang="en-US" sz="1600" dirty="0"/>
+              <a:t>&gt; Two-sample </a:t>
+            </a:r>
+            <a:r>
+              <a:rPr lang="en-US" sz="1600" dirty="0" err="1"/>
+              <a:t>Kolmogrorov</a:t>
+            </a:r>
+            <a:r>
+              <a:rPr lang="en-US" sz="1600" dirty="0"/>
+              <a:t>-Smirnov test</a:t>
+            </a:r>
+          </a:p>
+          <a:p>
+            <a:endParaRPr lang="de-DE" sz="1600" dirty="0"/>
+          </a:p>
+          <a:p>
+            <a:r>
+              <a:rPr lang="de-DE" sz="1600" dirty="0"/>
+              <a:t>-</a:t>
+            </a:r>
+            <a:r>
+              <a:rPr lang="en-US" sz="1600" dirty="0"/>
+              <a:t>&gt; Formel: statistics</a:t>
+            </a:r>
+          </a:p>
+          <a:p>
+            <a:endParaRPr lang="de-DE" sz="1600" dirty="0"/>
+          </a:p>
+          <a:p>
+            <a:r>
+              <a:rPr lang="de-DE" sz="1600" dirty="0"/>
+              <a:t>-</a:t>
+            </a:r>
+            <a:r>
+              <a:rPr lang="en-US" sz="1600" dirty="0"/>
+              <a:t>&gt; Picture</a:t>
+            </a:r>
+          </a:p>
+          <a:p>
+            <a:endParaRPr lang="de-DE" sz="1600" dirty="0"/>
+          </a:p>
+          <a:p>
+            <a:r>
+              <a:rPr lang="de-DE" sz="1600" dirty="0"/>
+              <a:t>//</a:t>
+            </a:r>
+            <a:r>
+              <a:rPr lang="de-DE" sz="1600" dirty="0" err="1"/>
+              <a:t>ToDo</a:t>
+            </a:r>
+            <a:r>
+              <a:rPr lang="de-DE" sz="1600" dirty="0"/>
+              <a:t> Felix Folien</a:t>
+            </a:r>
+          </a:p>
+        </p:txBody>
+      </p:sp>
+      <p:sp>
+        <p:nvSpPr>
+          <p:cNvPr id="3" name="Titel 2">
             <a:extLst>
               <a:ext uri="{FF2B5EF4-FFF2-40B4-BE49-F238E27FC236}">
-                <a16:creationId xmlns:a16="http://schemas.microsoft.com/office/drawing/2014/main" id="{AE232BE0-0C96-421D-A252-419040151F2E}"/>
+                <a16:creationId xmlns:a16="http://schemas.microsoft.com/office/drawing/2014/main" id="{6880B343-5F67-4B41-BA9B-20653CEB3D61}"/>
               </a:ext>
             </a:extLst>
           </p:cNvPr>
@@ -15864,7 +17253,7 @@
             <a:spLocks noGrp="1"/>
           </p:cNvSpPr>
           <p:nvPr>
-            <p:ph type="dt" sz="half" idx="14"/>
+            <p:ph type="title"/>
           </p:nvPr>
         </p:nvSpPr>
         <p:spPr/>
@@ -15873,8 +17262,20 @@
           <a:lstStyle/>
           <a:p>
             <a:r>
-              <a:rPr lang="en-US"/>
-              <a:t>Speaker, Job Description, Date if needed</a:t>
+              <a:rPr lang="de-DE" dirty="0"/>
+              <a:t>Statistical </a:t>
+            </a:r>
+            <a:r>
+              <a:rPr lang="de-DE" dirty="0" err="1"/>
+              <a:t>tests</a:t>
+            </a:r>
+            <a:r>
+              <a:rPr lang="de-DE" dirty="0"/>
+              <a:t> </a:t>
+            </a:r>
+            <a:r>
+              <a:rPr lang="de-DE" dirty="0" err="1"/>
+              <a:t>for</a:t>
             </a:r>
             <a:endParaRPr lang="en-US" dirty="0"/>
           </a:p>
@@ -15882,10 +17283,10 @@
       </p:sp>
       <p:sp>
         <p:nvSpPr>
-          <p:cNvPr id="4" name="Fußzeilenplatzhalter 3">
+          <p:cNvPr id="4" name="Datumsplatzhalter 3">
             <a:extLst>
               <a:ext uri="{FF2B5EF4-FFF2-40B4-BE49-F238E27FC236}">
-                <a16:creationId xmlns:a16="http://schemas.microsoft.com/office/drawing/2014/main" id="{270AF25F-C3D6-4A76-83FA-BA5E2AAFC93F}"/>
+                <a16:creationId xmlns:a16="http://schemas.microsoft.com/office/drawing/2014/main" id="{6342209F-08D4-476B-A529-74350428C0B7}"/>
               </a:ext>
             </a:extLst>
           </p:cNvPr>
@@ -15893,7 +17294,7 @@
             <a:spLocks noGrp="1"/>
           </p:cNvSpPr>
           <p:nvPr>
-            <p:ph type="ftr" sz="quarter" idx="15"/>
+            <p:ph type="dt" sz="half" idx="14"/>
           </p:nvPr>
         </p:nvSpPr>
         <p:spPr/>
@@ -15902,8 +17303,20 @@
           <a:lstStyle/>
           <a:p>
             <a:r>
-              <a:rPr lang="en-US"/>
-              <a:t>Presentation Title</a:t>
+              <a:rPr lang="en-US" dirty="0"/>
+              <a:t>Felix </a:t>
+            </a:r>
+            <a:r>
+              <a:rPr lang="en-US" dirty="0" err="1"/>
+              <a:t>Grzelka</a:t>
+            </a:r>
+            <a:r>
+              <a:rPr lang="en-US" dirty="0"/>
+              <a:t>, Margaux </a:t>
+            </a:r>
+            <a:r>
+              <a:rPr lang="en-US" dirty="0" err="1"/>
+              <a:t>Gatrio</a:t>
             </a:r>
             <a:endParaRPr lang="en-US" dirty="0"/>
           </a:p>
@@ -15911,10 +17324,38 @@
       </p:sp>
       <p:sp>
         <p:nvSpPr>
-          <p:cNvPr id="5" name="Foliennummernplatzhalter 4">
+          <p:cNvPr id="5" name="Fußzeilenplatzhalter 4">
             <a:extLst>
               <a:ext uri="{FF2B5EF4-FFF2-40B4-BE49-F238E27FC236}">
-                <a16:creationId xmlns:a16="http://schemas.microsoft.com/office/drawing/2014/main" id="{3DDEB334-7939-4943-AE85-5A96F57E0F42}"/>
+                <a16:creationId xmlns:a16="http://schemas.microsoft.com/office/drawing/2014/main" id="{D57557A6-DCF6-4480-AF46-E2B9ED044705}"/>
+              </a:ext>
+            </a:extLst>
+          </p:cNvPr>
+          <p:cNvSpPr>
+            <a:spLocks noGrp="1"/>
+          </p:cNvSpPr>
+          <p:nvPr>
+            <p:ph type="ftr" sz="quarter" idx="15"/>
+          </p:nvPr>
+        </p:nvSpPr>
+        <p:spPr/>
+        <p:txBody>
+          <a:bodyPr/>
+          <a:lstStyle/>
+          <a:p>
+            <a:r>
+              <a:rPr lang="en-US" dirty="0"/>
+              <a:t>Merging Attributes</a:t>
+            </a:r>
+          </a:p>
+        </p:txBody>
+      </p:sp>
+      <p:sp>
+        <p:nvSpPr>
+          <p:cNvPr id="6" name="Foliennummernplatzhalter 5">
+            <a:extLst>
+              <a:ext uri="{FF2B5EF4-FFF2-40B4-BE49-F238E27FC236}">
+                <a16:creationId xmlns:a16="http://schemas.microsoft.com/office/drawing/2014/main" id="{94457882-D3ED-4B7C-9C12-7F93E2115562}"/>
               </a:ext>
             </a:extLst>
           </p:cNvPr>
@@ -15943,145 +17384,10 @@
           </a:p>
         </p:txBody>
       </p:sp>
-      <p:sp>
-        <p:nvSpPr>
-          <p:cNvPr id="6" name="Titel 5">
-            <a:extLst>
-              <a:ext uri="{FF2B5EF4-FFF2-40B4-BE49-F238E27FC236}">
-                <a16:creationId xmlns:a16="http://schemas.microsoft.com/office/drawing/2014/main" id="{ABDA6A90-4ED4-4BD5-82D4-6AFF3E231BEA}"/>
-              </a:ext>
-            </a:extLst>
-          </p:cNvPr>
-          <p:cNvSpPr>
-            <a:spLocks noGrp="1"/>
-          </p:cNvSpPr>
-          <p:nvPr>
-            <p:ph type="title"/>
-          </p:nvPr>
-        </p:nvSpPr>
-        <p:spPr/>
-        <p:txBody>
-          <a:bodyPr/>
-          <a:lstStyle/>
-          <a:p>
-            <a:r>
-              <a:rPr lang="de-DE" dirty="0"/>
-              <a:t>Use Case 2: </a:t>
-            </a:r>
-            <a:r>
-              <a:rPr lang="de-DE" dirty="0" err="1"/>
-              <a:t>Merge</a:t>
-            </a:r>
-            <a:r>
-              <a:rPr lang="de-DE" dirty="0"/>
-              <a:t> date </a:t>
-            </a:r>
-            <a:r>
-              <a:rPr lang="de-DE" dirty="0" err="1"/>
-              <a:t>parts</a:t>
-            </a:r>
-            <a:endParaRPr lang="en-US" dirty="0"/>
-          </a:p>
-        </p:txBody>
-      </p:sp>
-      <p:pic>
-        <p:nvPicPr>
-          <p:cNvPr id="2050" name="Picture 2" descr="Bildergebnis fÃ¼r memes days months years">
-            <a:extLst>
-              <a:ext uri="{FF2B5EF4-FFF2-40B4-BE49-F238E27FC236}">
-                <a16:creationId xmlns:a16="http://schemas.microsoft.com/office/drawing/2014/main" id="{6BD4CCF2-B4C5-44F2-B5FD-4D9CE50FCCD2}"/>
-              </a:ext>
-            </a:extLst>
-          </p:cNvPr>
-          <p:cNvPicPr>
-            <a:picLocks noChangeAspect="1" noChangeArrowheads="1"/>
-          </p:cNvPicPr>
-          <p:nvPr/>
-        </p:nvPicPr>
-        <p:blipFill>
-          <a:blip r:embed="rId2">
-            <a:extLst>
-              <a:ext uri="{28A0092B-C50C-407E-A947-70E740481C1C}">
-                <a14:useLocalDpi xmlns:a14="http://schemas.microsoft.com/office/drawing/2010/main" val="0"/>
-              </a:ext>
-            </a:extLst>
-          </a:blip>
-          <a:srcRect/>
-          <a:stretch>
-            <a:fillRect/>
-          </a:stretch>
-        </p:blipFill>
-        <p:spPr bwMode="auto">
-          <a:xfrm>
-            <a:off x="467544" y="1202974"/>
-            <a:ext cx="2701749" cy="3507078"/>
-          </a:xfrm>
-          <a:prstGeom prst="rect">
-            <a:avLst/>
-          </a:prstGeom>
-          <a:noFill/>
-          <a:extLst>
-            <a:ext uri="{909E8E84-426E-40DD-AFC4-6F175D3DCCD1}">
-              <a14:hiddenFill xmlns:a14="http://schemas.microsoft.com/office/drawing/2010/main">
-                <a:solidFill>
-                  <a:srgbClr val="FFFFFF"/>
-                </a:solidFill>
-              </a14:hiddenFill>
-            </a:ext>
-          </a:extLst>
-        </p:spPr>
-      </p:pic>
-      <p:pic>
-        <p:nvPicPr>
-          <p:cNvPr id="2052" name="Picture 4" descr="Bildergebnis fÃ¼r memes days months years">
-            <a:extLst>
-              <a:ext uri="{FF2B5EF4-FFF2-40B4-BE49-F238E27FC236}">
-                <a16:creationId xmlns:a16="http://schemas.microsoft.com/office/drawing/2014/main" id="{38951761-5594-4490-86FD-88C07C5F35DC}"/>
-              </a:ext>
-            </a:extLst>
-          </p:cNvPr>
-          <p:cNvPicPr>
-            <a:picLocks noChangeAspect="1" noChangeArrowheads="1"/>
-          </p:cNvPicPr>
-          <p:nvPr/>
-        </p:nvPicPr>
-        <p:blipFill>
-          <a:blip r:embed="rId3">
-            <a:extLst>
-              <a:ext uri="{28A0092B-C50C-407E-A947-70E740481C1C}">
-                <a14:useLocalDpi xmlns:a14="http://schemas.microsoft.com/office/drawing/2010/main" val="0"/>
-              </a:ext>
-            </a:extLst>
-          </a:blip>
-          <a:srcRect/>
-          <a:stretch>
-            <a:fillRect/>
-          </a:stretch>
-        </p:blipFill>
-        <p:spPr bwMode="auto">
-          <a:xfrm>
-            <a:off x="4135673" y="1552742"/>
-            <a:ext cx="2133773" cy="2938127"/>
-          </a:xfrm>
-          <a:prstGeom prst="rect">
-            <a:avLst/>
-          </a:prstGeom>
-          <a:noFill/>
-          <a:extLst>
-            <a:ext uri="{909E8E84-426E-40DD-AFC4-6F175D3DCCD1}">
-              <a14:hiddenFill xmlns:a14="http://schemas.microsoft.com/office/drawing/2010/main">
-                <a:solidFill>
-                  <a:srgbClr val="FFFFFF"/>
-                </a:solidFill>
-              </a14:hiddenFill>
-            </a:ext>
-          </a:extLst>
-        </p:spPr>
-      </p:pic>
     </p:spTree>
     <p:extLst>
       <p:ext uri="{BB962C8B-B14F-4D97-AF65-F5344CB8AC3E}">
-        <p14:creationId xmlns:p14="http://schemas.microsoft.com/office/powerpoint/2010/main" val="897392906"/>
+        <p14:creationId xmlns:p14="http://schemas.microsoft.com/office/powerpoint/2010/main" val="2876679085"/>
       </p:ext>
     </p:extLst>
   </p:cSld>
@@ -16116,7 +17422,7 @@
           <p:cNvPr id="2" name="Textplatzhalter 1">
             <a:extLst>
               <a:ext uri="{FF2B5EF4-FFF2-40B4-BE49-F238E27FC236}">
-                <a16:creationId xmlns:a16="http://schemas.microsoft.com/office/drawing/2014/main" id="{79C4072F-6BE8-4EBA-9E9B-691FD5445C08}"/>
+                <a16:creationId xmlns:a16="http://schemas.microsoft.com/office/drawing/2014/main" id="{49EB1C4A-D16A-43AA-844F-2768E4ACB27E}"/>
               </a:ext>
             </a:extLst>
           </p:cNvPr>
@@ -16127,26 +17433,76 @@
             <p:ph type="body" sz="quarter" idx="13"/>
           </p:nvPr>
         </p:nvSpPr>
-        <p:spPr>
-          <a:xfrm>
-            <a:off x="358776" y="1239837"/>
-            <a:ext cx="6877051" cy="3563938"/>
-          </a:xfrm>
-        </p:spPr>
+        <p:spPr/>
         <p:txBody>
           <a:bodyPr/>
           <a:lstStyle/>
           <a:p>
-            <a:endParaRPr lang="en-US" dirty="0"/>
-          </a:p>
-        </p:txBody>
-      </p:sp>
-      <p:sp>
-        <p:nvSpPr>
-          <p:cNvPr id="3" name="Datumsplatzhalter 2">
+            <a:r>
+              <a:rPr lang="en-US" sz="1600" dirty="0"/>
+              <a:t>Two different values</a:t>
+            </a:r>
+          </a:p>
+          <a:p>
+            <a:endParaRPr lang="en-US" sz="1600" dirty="0"/>
+          </a:p>
+          <a:p>
+            <a:r>
+              <a:rPr lang="en-US" sz="1600" dirty="0"/>
+              <a:t>Options:</a:t>
+            </a:r>
+          </a:p>
+          <a:p>
+            <a:pPr marL="342900" indent="-342900">
+              <a:buAutoNum type="arabicPeriod"/>
+            </a:pPr>
+            <a:r>
+              <a:rPr lang="en-US" sz="1600" dirty="0"/>
+              <a:t>Choose one of them (e.g. always the attribute of the first column)</a:t>
+            </a:r>
+          </a:p>
+          <a:p>
+            <a:pPr marL="342900" indent="-342900">
+              <a:buAutoNum type="arabicPeriod"/>
+            </a:pPr>
+            <a:r>
+              <a:rPr lang="en-US" sz="1600" dirty="0"/>
+              <a:t>User decides (similar to Git)</a:t>
+            </a:r>
+          </a:p>
+          <a:p>
+            <a:pPr marL="342900" indent="-342900">
+              <a:buAutoNum type="arabicPeriod"/>
+            </a:pPr>
+            <a:r>
+              <a:rPr lang="en-US" sz="1600" dirty="0"/>
+              <a:t>User defined function to solve merge conflicts (e.g. always take smaller value or newer values)</a:t>
+            </a:r>
+          </a:p>
+          <a:p>
+            <a:pPr marL="342900" indent="-342900">
+              <a:buFont typeface="Arial" panose="020B0604020202020204" pitchFamily="34" charset="0"/>
+              <a:buAutoNum type="arabicPeriod"/>
+            </a:pPr>
+            <a:r>
+              <a:rPr lang="en-US" sz="1600" dirty="0"/>
+              <a:t>Concatenate the values</a:t>
+            </a:r>
+          </a:p>
+          <a:p>
+            <a:pPr marL="342900" indent="-342900">
+              <a:buAutoNum type="arabicPeriod"/>
+            </a:pPr>
+            <a:endParaRPr lang="de-DE" dirty="0"/>
+          </a:p>
+        </p:txBody>
+      </p:sp>
+      <p:sp>
+        <p:nvSpPr>
+          <p:cNvPr id="3" name="Titel 2">
             <a:extLst>
               <a:ext uri="{FF2B5EF4-FFF2-40B4-BE49-F238E27FC236}">
-                <a16:creationId xmlns:a16="http://schemas.microsoft.com/office/drawing/2014/main" id="{F62D66F2-2807-496E-A75B-01634C85300E}"/>
+                <a16:creationId xmlns:a16="http://schemas.microsoft.com/office/drawing/2014/main" id="{D3724C19-C31C-40C7-8344-E05DC4B65A16}"/>
               </a:ext>
             </a:extLst>
           </p:cNvPr>
@@ -16154,7 +17510,7 @@
             <a:spLocks noGrp="1"/>
           </p:cNvSpPr>
           <p:nvPr>
-            <p:ph type="dt" sz="half" idx="14"/>
+            <p:ph type="title"/>
           </p:nvPr>
         </p:nvSpPr>
         <p:spPr/>
@@ -16163,19 +17519,18 @@
           <a:lstStyle/>
           <a:p>
             <a:r>
-              <a:rPr lang="en-US"/>
-              <a:t>Speaker, Job Description, Date if needed</a:t>
-            </a:r>
-            <a:endParaRPr lang="en-US" dirty="0"/>
-          </a:p>
-        </p:txBody>
-      </p:sp>
-      <p:sp>
-        <p:nvSpPr>
-          <p:cNvPr id="4" name="Fußzeilenplatzhalter 3">
+              <a:rPr lang="en-US" dirty="0"/>
+              <a:t>Merge Conflicts</a:t>
+            </a:r>
+          </a:p>
+        </p:txBody>
+      </p:sp>
+      <p:sp>
+        <p:nvSpPr>
+          <p:cNvPr id="4" name="Datumsplatzhalter 3">
             <a:extLst>
               <a:ext uri="{FF2B5EF4-FFF2-40B4-BE49-F238E27FC236}">
-                <a16:creationId xmlns:a16="http://schemas.microsoft.com/office/drawing/2014/main" id="{A8D682C4-9BE1-4323-A59B-313B10743E64}"/>
+                <a16:creationId xmlns:a16="http://schemas.microsoft.com/office/drawing/2014/main" id="{5307C4D4-6A97-44D2-92A9-6A678D041F94}"/>
               </a:ext>
             </a:extLst>
           </p:cNvPr>
@@ -16183,7 +17538,7 @@
             <a:spLocks noGrp="1"/>
           </p:cNvSpPr>
           <p:nvPr>
-            <p:ph type="ftr" sz="quarter" idx="15"/>
+            <p:ph type="dt" sz="half" idx="14"/>
           </p:nvPr>
         </p:nvSpPr>
         <p:spPr/>
@@ -16192,8 +17547,20 @@
           <a:lstStyle/>
           <a:p>
             <a:r>
-              <a:rPr lang="en-US"/>
-              <a:t>Presentation Title</a:t>
+              <a:rPr lang="en-US" dirty="0"/>
+              <a:t>Felix </a:t>
+            </a:r>
+            <a:r>
+              <a:rPr lang="en-US" dirty="0" err="1"/>
+              <a:t>Grzelka</a:t>
+            </a:r>
+            <a:r>
+              <a:rPr lang="en-US" dirty="0"/>
+              <a:t>, Margaux </a:t>
+            </a:r>
+            <a:r>
+              <a:rPr lang="en-US" dirty="0" err="1"/>
+              <a:t>Gatrio</a:t>
             </a:r>
             <a:endParaRPr lang="en-US" dirty="0"/>
           </a:p>
@@ -16201,10 +17568,38 @@
       </p:sp>
       <p:sp>
         <p:nvSpPr>
-          <p:cNvPr id="5" name="Foliennummernplatzhalter 4">
+          <p:cNvPr id="5" name="Fußzeilenplatzhalter 4">
             <a:extLst>
               <a:ext uri="{FF2B5EF4-FFF2-40B4-BE49-F238E27FC236}">
-                <a16:creationId xmlns:a16="http://schemas.microsoft.com/office/drawing/2014/main" id="{1EC0E5E1-56ED-4259-AC4B-21D928396D6E}"/>
+                <a16:creationId xmlns:a16="http://schemas.microsoft.com/office/drawing/2014/main" id="{462BB613-69A6-496B-8945-5516D68C4249}"/>
+              </a:ext>
+            </a:extLst>
+          </p:cNvPr>
+          <p:cNvSpPr>
+            <a:spLocks noGrp="1"/>
+          </p:cNvSpPr>
+          <p:nvPr>
+            <p:ph type="ftr" sz="quarter" idx="15"/>
+          </p:nvPr>
+        </p:nvSpPr>
+        <p:spPr/>
+        <p:txBody>
+          <a:bodyPr/>
+          <a:lstStyle/>
+          <a:p>
+            <a:r>
+              <a:rPr lang="en-US" dirty="0"/>
+              <a:t>Merging Attributes</a:t>
+            </a:r>
+          </a:p>
+        </p:txBody>
+      </p:sp>
+      <p:sp>
+        <p:nvSpPr>
+          <p:cNvPr id="6" name="Foliennummernplatzhalter 5">
+            <a:extLst>
+              <a:ext uri="{FF2B5EF4-FFF2-40B4-BE49-F238E27FC236}">
+                <a16:creationId xmlns:a16="http://schemas.microsoft.com/office/drawing/2014/main" id="{190B8D44-CB76-44CE-A320-FCBF250AADAC}"/>
               </a:ext>
             </a:extLst>
           </p:cNvPr>
@@ -16233,59 +17628,10 @@
           </a:p>
         </p:txBody>
       </p:sp>
-      <p:sp>
-        <p:nvSpPr>
-          <p:cNvPr id="6" name="Titel 5">
-            <a:extLst>
-              <a:ext uri="{FF2B5EF4-FFF2-40B4-BE49-F238E27FC236}">
-                <a16:creationId xmlns:a16="http://schemas.microsoft.com/office/drawing/2014/main" id="{7D532AD3-CEB6-4C46-AC96-27DF50121CAB}"/>
-              </a:ext>
-            </a:extLst>
-          </p:cNvPr>
-          <p:cNvSpPr>
-            <a:spLocks noGrp="1"/>
-          </p:cNvSpPr>
-          <p:nvPr>
-            <p:ph type="title"/>
-          </p:nvPr>
-        </p:nvSpPr>
-        <p:spPr/>
-        <p:txBody>
-          <a:bodyPr/>
-          <a:lstStyle/>
-          <a:p>
-            <a:r>
-              <a:rPr lang="de-DE" dirty="0"/>
-              <a:t>Use Case 3: </a:t>
-            </a:r>
-            <a:r>
-              <a:rPr lang="de-DE" dirty="0" err="1"/>
-              <a:t>Merge</a:t>
-            </a:r>
-            <a:r>
-              <a:rPr lang="de-DE" dirty="0"/>
-              <a:t> </a:t>
-            </a:r>
-            <a:r>
-              <a:rPr lang="de-DE" dirty="0" err="1"/>
-              <a:t>Interleaving</a:t>
-            </a:r>
-            <a:r>
-              <a:rPr lang="de-DE" dirty="0"/>
-              <a:t> </a:t>
-            </a:r>
-            <a:r>
-              <a:rPr lang="de-DE" dirty="0" err="1"/>
-              <a:t>columns</a:t>
-            </a:r>
-            <a:endParaRPr lang="en-US" dirty="0"/>
-          </a:p>
-        </p:txBody>
-      </p:sp>
     </p:spTree>
     <p:extLst>
       <p:ext uri="{BB962C8B-B14F-4D97-AF65-F5344CB8AC3E}">
-        <p14:creationId xmlns:p14="http://schemas.microsoft.com/office/powerpoint/2010/main" val="3488915051"/>
+        <p14:creationId xmlns:p14="http://schemas.microsoft.com/office/powerpoint/2010/main" val="1341756917"/>
       </p:ext>
     </p:extLst>
   </p:cSld>
@@ -16295,6 +17641,232 @@
   <p:transition>
     <p:fade/>
   </p:transition>
+  <p:timing>
+    <p:tnLst>
+      <p:par>
+        <p:cTn id="1" dur="indefinite" restart="never" nodeType="tmRoot">
+          <p:childTnLst>
+            <p:seq concurrent="1" nextAc="seek">
+              <p:cTn id="2" dur="indefinite" nodeType="mainSeq">
+                <p:childTnLst>
+                  <p:par>
+                    <p:cTn id="3" fill="hold">
+                      <p:stCondLst>
+                        <p:cond delay="indefinite"/>
+                      </p:stCondLst>
+                      <p:childTnLst>
+                        <p:par>
+                          <p:cTn id="4" fill="hold">
+                            <p:stCondLst>
+                              <p:cond delay="0"/>
+                            </p:stCondLst>
+                            <p:childTnLst>
+                              <p:par>
+                                <p:cTn id="5" presetID="1" presetClass="entr" presetSubtype="0" fill="hold" nodeType="clickEffect">
+                                  <p:stCondLst>
+                                    <p:cond delay="0"/>
+                                  </p:stCondLst>
+                                  <p:childTnLst>
+                                    <p:set>
+                                      <p:cBhvr>
+                                        <p:cTn id="6" dur="1" fill="hold">
+                                          <p:stCondLst>
+                                            <p:cond delay="0"/>
+                                          </p:stCondLst>
+                                        </p:cTn>
+                                        <p:tgtEl>
+                                          <p:spTgt spid="2">
+                                            <p:txEl>
+                                              <p:pRg st="3" end="3"/>
+                                            </p:txEl>
+                                          </p:spTgt>
+                                        </p:tgtEl>
+                                        <p:attrNameLst>
+                                          <p:attrName>style.visibility</p:attrName>
+                                        </p:attrNameLst>
+                                      </p:cBhvr>
+                                      <p:to>
+                                        <p:strVal val="visible"/>
+                                      </p:to>
+                                    </p:set>
+                                  </p:childTnLst>
+                                </p:cTn>
+                              </p:par>
+                            </p:childTnLst>
+                          </p:cTn>
+                        </p:par>
+                      </p:childTnLst>
+                    </p:cTn>
+                  </p:par>
+                  <p:par>
+                    <p:cTn id="7" fill="hold">
+                      <p:stCondLst>
+                        <p:cond delay="indefinite"/>
+                      </p:stCondLst>
+                      <p:childTnLst>
+                        <p:par>
+                          <p:cTn id="8" fill="hold">
+                            <p:stCondLst>
+                              <p:cond delay="0"/>
+                            </p:stCondLst>
+                            <p:childTnLst>
+                              <p:par>
+                                <p:cTn id="9" presetID="1" presetClass="entr" presetSubtype="0" fill="hold" nodeType="clickEffect">
+                                  <p:stCondLst>
+                                    <p:cond delay="0"/>
+                                  </p:stCondLst>
+                                  <p:childTnLst>
+                                    <p:set>
+                                      <p:cBhvr>
+                                        <p:cTn id="10" dur="1" fill="hold">
+                                          <p:stCondLst>
+                                            <p:cond delay="0"/>
+                                          </p:stCondLst>
+                                        </p:cTn>
+                                        <p:tgtEl>
+                                          <p:spTgt spid="2">
+                                            <p:txEl>
+                                              <p:pRg st="4" end="4"/>
+                                            </p:txEl>
+                                          </p:spTgt>
+                                        </p:tgtEl>
+                                        <p:attrNameLst>
+                                          <p:attrName>style.visibility</p:attrName>
+                                        </p:attrNameLst>
+                                      </p:cBhvr>
+                                      <p:to>
+                                        <p:strVal val="visible"/>
+                                      </p:to>
+                                    </p:set>
+                                  </p:childTnLst>
+                                </p:cTn>
+                              </p:par>
+                            </p:childTnLst>
+                          </p:cTn>
+                        </p:par>
+                      </p:childTnLst>
+                    </p:cTn>
+                  </p:par>
+                  <p:par>
+                    <p:cTn id="11" fill="hold">
+                      <p:stCondLst>
+                        <p:cond delay="indefinite"/>
+                      </p:stCondLst>
+                      <p:childTnLst>
+                        <p:par>
+                          <p:cTn id="12" fill="hold">
+                            <p:stCondLst>
+                              <p:cond delay="0"/>
+                            </p:stCondLst>
+                            <p:childTnLst>
+                              <p:par>
+                                <p:cTn id="13" presetID="1" presetClass="entr" presetSubtype="0" fill="hold" nodeType="clickEffect">
+                                  <p:stCondLst>
+                                    <p:cond delay="0"/>
+                                  </p:stCondLst>
+                                  <p:childTnLst>
+                                    <p:set>
+                                      <p:cBhvr>
+                                        <p:cTn id="14" dur="1" fill="hold">
+                                          <p:stCondLst>
+                                            <p:cond delay="0"/>
+                                          </p:stCondLst>
+                                        </p:cTn>
+                                        <p:tgtEl>
+                                          <p:spTgt spid="2">
+                                            <p:txEl>
+                                              <p:pRg st="5" end="5"/>
+                                            </p:txEl>
+                                          </p:spTgt>
+                                        </p:tgtEl>
+                                        <p:attrNameLst>
+                                          <p:attrName>style.visibility</p:attrName>
+                                        </p:attrNameLst>
+                                      </p:cBhvr>
+                                      <p:to>
+                                        <p:strVal val="visible"/>
+                                      </p:to>
+                                    </p:set>
+                                  </p:childTnLst>
+                                </p:cTn>
+                              </p:par>
+                            </p:childTnLst>
+                          </p:cTn>
+                        </p:par>
+                      </p:childTnLst>
+                    </p:cTn>
+                  </p:par>
+                  <p:par>
+                    <p:cTn id="15" fill="hold">
+                      <p:stCondLst>
+                        <p:cond delay="indefinite"/>
+                      </p:stCondLst>
+                      <p:childTnLst>
+                        <p:par>
+                          <p:cTn id="16" fill="hold">
+                            <p:stCondLst>
+                              <p:cond delay="0"/>
+                            </p:stCondLst>
+                            <p:childTnLst>
+                              <p:par>
+                                <p:cTn id="17" presetID="1" presetClass="entr" presetSubtype="0" fill="hold" nodeType="clickEffect">
+                                  <p:stCondLst>
+                                    <p:cond delay="0"/>
+                                  </p:stCondLst>
+                                  <p:childTnLst>
+                                    <p:set>
+                                      <p:cBhvr>
+                                        <p:cTn id="18" dur="1" fill="hold">
+                                          <p:stCondLst>
+                                            <p:cond delay="0"/>
+                                          </p:stCondLst>
+                                        </p:cTn>
+                                        <p:tgtEl>
+                                          <p:spTgt spid="2">
+                                            <p:txEl>
+                                              <p:pRg st="6" end="6"/>
+                                            </p:txEl>
+                                          </p:spTgt>
+                                        </p:tgtEl>
+                                        <p:attrNameLst>
+                                          <p:attrName>style.visibility</p:attrName>
+                                        </p:attrNameLst>
+                                      </p:cBhvr>
+                                      <p:to>
+                                        <p:strVal val="visible"/>
+                                      </p:to>
+                                    </p:set>
+                                  </p:childTnLst>
+                                </p:cTn>
+                              </p:par>
+                            </p:childTnLst>
+                          </p:cTn>
+                        </p:par>
+                      </p:childTnLst>
+                    </p:cTn>
+                  </p:par>
+                </p:childTnLst>
+              </p:cTn>
+              <p:prevCondLst>
+                <p:cond evt="onPrev" delay="0">
+                  <p:tgtEl>
+                    <p:sldTgt/>
+                  </p:tgtEl>
+                </p:cond>
+              </p:prevCondLst>
+              <p:nextCondLst>
+                <p:cond evt="onNext" delay="0">
+                  <p:tgtEl>
+                    <p:sldTgt/>
+                  </p:tgtEl>
+                </p:cond>
+              </p:nextCondLst>
+            </p:seq>
+          </p:childTnLst>
+        </p:cTn>
+      </p:par>
+    </p:tnLst>
+  </p:timing>
 </p:sld>
 </file>
 
@@ -16320,7 +17892,7 @@
           <p:cNvPr id="2" name="Textplatzhalter 1">
             <a:extLst>
               <a:ext uri="{FF2B5EF4-FFF2-40B4-BE49-F238E27FC236}">
-                <a16:creationId xmlns:a16="http://schemas.microsoft.com/office/drawing/2014/main" id="{741231EE-A075-41CF-8FAA-77851EDFA70E}"/>
+                <a16:creationId xmlns:a16="http://schemas.microsoft.com/office/drawing/2014/main" id="{FE0740B0-0780-48AB-94E6-F3942F310091}"/>
               </a:ext>
             </a:extLst>
           </p:cNvPr>
@@ -16331,21 +17903,41 @@
             <p:ph type="body" sz="quarter" idx="13"/>
           </p:nvPr>
         </p:nvSpPr>
-        <p:spPr/>
+        <p:spPr>
+          <a:xfrm>
+            <a:off x="358777" y="1239837"/>
+            <a:ext cx="3277119" cy="3563938"/>
+          </a:xfrm>
+        </p:spPr>
         <p:txBody>
           <a:bodyPr/>
           <a:lstStyle/>
           <a:p>
-            <a:endParaRPr lang="en-US"/>
-          </a:p>
-        </p:txBody>
-      </p:sp>
-      <p:sp>
-        <p:nvSpPr>
-          <p:cNvPr id="3" name="Datumsplatzhalter 2">
+            <a:endParaRPr lang="en-US" dirty="0"/>
+          </a:p>
+          <a:p>
+            <a:endParaRPr lang="en-US" dirty="0"/>
+          </a:p>
+          <a:p>
+            <a:endParaRPr lang="en-US" dirty="0"/>
+          </a:p>
+          <a:p>
+            <a:endParaRPr lang="en-US" sz="1600" dirty="0"/>
+          </a:p>
+          <a:p>
+            <a:r>
+              <a:rPr lang="en-US" sz="1600" dirty="0"/>
+              <a:t>-&gt; Automatically merging of 	duplicated columns</a:t>
+            </a:r>
+          </a:p>
+        </p:txBody>
+      </p:sp>
+      <p:sp>
+        <p:nvSpPr>
+          <p:cNvPr id="3" name="Titel 2">
             <a:extLst>
               <a:ext uri="{FF2B5EF4-FFF2-40B4-BE49-F238E27FC236}">
-                <a16:creationId xmlns:a16="http://schemas.microsoft.com/office/drawing/2014/main" id="{EB860AD6-B309-4219-9204-ABFEE376F408}"/>
+                <a16:creationId xmlns:a16="http://schemas.microsoft.com/office/drawing/2014/main" id="{C5988F35-3802-4C49-AD19-DCD7EF076EB9}"/>
               </a:ext>
             </a:extLst>
           </p:cNvPr>
@@ -16353,7 +17945,7 @@
             <a:spLocks noGrp="1"/>
           </p:cNvSpPr>
           <p:nvPr>
-            <p:ph type="dt" sz="half" idx="14"/>
+            <p:ph type="title"/>
           </p:nvPr>
         </p:nvSpPr>
         <p:spPr/>
@@ -16362,19 +17954,18 @@
           <a:lstStyle/>
           <a:p>
             <a:r>
-              <a:rPr lang="en-US"/>
-              <a:t>Speaker, Job Description, Date if needed</a:t>
-            </a:r>
-            <a:endParaRPr lang="en-US" dirty="0"/>
-          </a:p>
-        </p:txBody>
-      </p:sp>
-      <p:sp>
-        <p:nvSpPr>
-          <p:cNvPr id="4" name="Fußzeilenplatzhalter 3">
+              <a:rPr lang="en-US" dirty="0"/>
+              <a:t>Duplicates?</a:t>
+            </a:r>
+          </a:p>
+        </p:txBody>
+      </p:sp>
+      <p:sp>
+        <p:nvSpPr>
+          <p:cNvPr id="4" name="Datumsplatzhalter 3">
             <a:extLst>
               <a:ext uri="{FF2B5EF4-FFF2-40B4-BE49-F238E27FC236}">
-                <a16:creationId xmlns:a16="http://schemas.microsoft.com/office/drawing/2014/main" id="{240C53F2-DB4F-4A5D-9A80-FF6C261EF82F}"/>
+                <a16:creationId xmlns:a16="http://schemas.microsoft.com/office/drawing/2014/main" id="{662F0ABC-4907-4745-A972-07BF355E3F7E}"/>
               </a:ext>
             </a:extLst>
           </p:cNvPr>
@@ -16382,7 +17973,7 @@
             <a:spLocks noGrp="1"/>
           </p:cNvSpPr>
           <p:nvPr>
-            <p:ph type="ftr" sz="quarter" idx="15"/>
+            <p:ph type="dt" sz="half" idx="14"/>
           </p:nvPr>
         </p:nvSpPr>
         <p:spPr/>
@@ -16391,8 +17982,20 @@
           <a:lstStyle/>
           <a:p>
             <a:r>
-              <a:rPr lang="en-US"/>
-              <a:t>Presentation Title</a:t>
+              <a:rPr lang="en-US" dirty="0"/>
+              <a:t>Felix </a:t>
+            </a:r>
+            <a:r>
+              <a:rPr lang="en-US" dirty="0" err="1"/>
+              <a:t>Grzelka</a:t>
+            </a:r>
+            <a:r>
+              <a:rPr lang="en-US" dirty="0"/>
+              <a:t>, Margaux </a:t>
+            </a:r>
+            <a:r>
+              <a:rPr lang="en-US" dirty="0" err="1"/>
+              <a:t>Gatrio</a:t>
             </a:r>
             <a:endParaRPr lang="en-US" dirty="0"/>
           </a:p>
@@ -16400,10 +18003,38 @@
       </p:sp>
       <p:sp>
         <p:nvSpPr>
-          <p:cNvPr id="5" name="Foliennummernplatzhalter 4">
+          <p:cNvPr id="5" name="Fußzeilenplatzhalter 4">
             <a:extLst>
               <a:ext uri="{FF2B5EF4-FFF2-40B4-BE49-F238E27FC236}">
-                <a16:creationId xmlns:a16="http://schemas.microsoft.com/office/drawing/2014/main" id="{81F28578-858C-4D61-9387-A9306A7DA2E2}"/>
+                <a16:creationId xmlns:a16="http://schemas.microsoft.com/office/drawing/2014/main" id="{8EB35CC8-3444-49EC-BCA5-CBD0571FD73D}"/>
+              </a:ext>
+            </a:extLst>
+          </p:cNvPr>
+          <p:cNvSpPr>
+            <a:spLocks noGrp="1"/>
+          </p:cNvSpPr>
+          <p:nvPr>
+            <p:ph type="ftr" sz="quarter" idx="15"/>
+          </p:nvPr>
+        </p:nvSpPr>
+        <p:spPr/>
+        <p:txBody>
+          <a:bodyPr/>
+          <a:lstStyle/>
+          <a:p>
+            <a:r>
+              <a:rPr lang="en-US" dirty="0"/>
+              <a:t>Merging Attributes</a:t>
+            </a:r>
+          </a:p>
+        </p:txBody>
+      </p:sp>
+      <p:sp>
+        <p:nvSpPr>
+          <p:cNvPr id="6" name="Foliennummernplatzhalter 5">
+            <a:extLst>
+              <a:ext uri="{FF2B5EF4-FFF2-40B4-BE49-F238E27FC236}">
+                <a16:creationId xmlns:a16="http://schemas.microsoft.com/office/drawing/2014/main" id="{0B06C435-56CB-4FC0-925B-3952F33F8F3F}"/>
               </a:ext>
             </a:extLst>
           </p:cNvPr>
@@ -16432,35 +18063,57 @@
           </a:p>
         </p:txBody>
       </p:sp>
-      <p:sp>
-        <p:nvSpPr>
-          <p:cNvPr id="6" name="Titel 5">
+      <p:pic>
+        <p:nvPicPr>
+          <p:cNvPr id="7" name="Picture 4" descr="http://opfocus.com/wp-content/uploads/55908063.jpg">
             <a:extLst>
               <a:ext uri="{FF2B5EF4-FFF2-40B4-BE49-F238E27FC236}">
-                <a16:creationId xmlns:a16="http://schemas.microsoft.com/office/drawing/2014/main" id="{E70F6ED1-9F6F-4266-AA73-CD7A54F883E9}"/>
+                <a16:creationId xmlns:a16="http://schemas.microsoft.com/office/drawing/2014/main" id="{AFF6AC8B-2788-4588-A0D2-5A98A60513EF}"/>
               </a:ext>
             </a:extLst>
           </p:cNvPr>
-          <p:cNvSpPr>
-            <a:spLocks noGrp="1"/>
-          </p:cNvSpPr>
-          <p:nvPr>
-            <p:ph type="title"/>
-          </p:nvPr>
-        </p:nvSpPr>
-        <p:spPr/>
-        <p:txBody>
-          <a:bodyPr/>
-          <a:lstStyle/>
-          <a:p>
-            <a:endParaRPr lang="en-US"/>
-          </a:p>
-        </p:txBody>
-      </p:sp>
+          <p:cNvPicPr>
+            <a:picLocks noChangeAspect="1" noChangeArrowheads="1"/>
+          </p:cNvPicPr>
+          <p:nvPr/>
+        </p:nvPicPr>
+        <p:blipFill>
+          <a:blip r:embed="rId2">
+            <a:extLst>
+              <a:ext uri="{28A0092B-C50C-407E-A947-70E740481C1C}">
+                <a14:useLocalDpi xmlns:a14="http://schemas.microsoft.com/office/drawing/2010/main" val="0"/>
+              </a:ext>
+            </a:extLst>
+          </a:blip>
+          <a:srcRect/>
+          <a:stretch>
+            <a:fillRect/>
+          </a:stretch>
+        </p:blipFill>
+        <p:spPr bwMode="auto">
+          <a:xfrm>
+            <a:off x="3840021" y="1327386"/>
+            <a:ext cx="3048135" cy="3048135"/>
+          </a:xfrm>
+          <a:prstGeom prst="rect">
+            <a:avLst/>
+          </a:prstGeom>
+          <a:noFill/>
+          <a:extLst>
+            <a:ext uri="{909E8E84-426E-40DD-AFC4-6F175D3DCCD1}">
+              <a14:hiddenFill xmlns:a14="http://schemas.microsoft.com/office/drawing/2010/main">
+                <a:solidFill>
+                  <a:srgbClr val="FFFFFF"/>
+                </a:solidFill>
+              </a14:hiddenFill>
+            </a:ext>
+          </a:extLst>
+        </p:spPr>
+      </p:pic>
     </p:spTree>
     <p:extLst>
       <p:ext uri="{BB962C8B-B14F-4D97-AF65-F5344CB8AC3E}">
-        <p14:creationId xmlns:p14="http://schemas.microsoft.com/office/powerpoint/2010/main" val="1641679159"/>
+        <p14:creationId xmlns:p14="http://schemas.microsoft.com/office/powerpoint/2010/main" val="3492341498"/>
       </p:ext>
     </p:extLst>
   </p:cSld>
@@ -16490,31 +18143,36 @@
           <a:chExt cx="0" cy="0"/>
         </a:xfrm>
       </p:grpSpPr>
-      <p:sp>
-        <p:nvSpPr>
-          <p:cNvPr id="2" name="Textplatzhalter 1">
+      <p:pic>
+        <p:nvPicPr>
+          <p:cNvPr id="7" name="Grafik 6">
             <a:extLst>
               <a:ext uri="{FF2B5EF4-FFF2-40B4-BE49-F238E27FC236}">
-                <a16:creationId xmlns:a16="http://schemas.microsoft.com/office/drawing/2014/main" id="{741231EE-A075-41CF-8FAA-77851EDFA70E}"/>
+                <a16:creationId xmlns:a16="http://schemas.microsoft.com/office/drawing/2014/main" id="{6AA8D9CB-C04A-4CCF-AEAD-9EAC3A55F127}"/>
               </a:ext>
             </a:extLst>
           </p:cNvPr>
-          <p:cNvSpPr>
-            <a:spLocks noGrp="1"/>
-          </p:cNvSpPr>
-          <p:nvPr>
-            <p:ph type="body" sz="quarter" idx="13"/>
-          </p:nvPr>
-        </p:nvSpPr>
-        <p:spPr/>
-        <p:txBody>
-          <a:bodyPr/>
-          <a:lstStyle/>
-          <a:p>
-            <a:endParaRPr lang="en-US"/>
-          </a:p>
-        </p:txBody>
-      </p:sp>
+          <p:cNvPicPr>
+            <a:picLocks noChangeAspect="1"/>
+          </p:cNvPicPr>
+          <p:nvPr/>
+        </p:nvPicPr>
+        <p:blipFill>
+          <a:blip r:embed="rId2"/>
+          <a:stretch>
+            <a:fillRect/>
+          </a:stretch>
+        </p:blipFill>
+        <p:spPr>
+          <a:xfrm>
+            <a:off x="1331640" y="1799627"/>
+            <a:ext cx="5659412" cy="2823568"/>
+          </a:xfrm>
+          <a:prstGeom prst="rect">
+            <a:avLst/>
+          </a:prstGeom>
+        </p:spPr>
+      </p:pic>
       <p:sp>
         <p:nvSpPr>
           <p:cNvPr id="3" name="Datumsplatzhalter 2">
@@ -16537,8 +18195,20 @@
           <a:lstStyle/>
           <a:p>
             <a:r>
-              <a:rPr lang="en-US"/>
-              <a:t>Speaker, Job Description, Date if needed</a:t>
+              <a:rPr lang="en-US" dirty="0"/>
+              <a:t>Felix </a:t>
+            </a:r>
+            <a:r>
+              <a:rPr lang="en-US" dirty="0" err="1"/>
+              <a:t>Grzelka</a:t>
+            </a:r>
+            <a:r>
+              <a:rPr lang="en-US" dirty="0"/>
+              <a:t>, Margaux </a:t>
+            </a:r>
+            <a:r>
+              <a:rPr lang="en-US" dirty="0" err="1"/>
+              <a:t>Gatrio</a:t>
             </a:r>
             <a:endParaRPr lang="en-US" dirty="0"/>
           </a:p>
@@ -16566,10 +18236,9 @@
           <a:lstStyle/>
           <a:p>
             <a:r>
-              <a:rPr lang="en-US"/>
-              <a:t>Presentation Title</a:t>
-            </a:r>
-            <a:endParaRPr lang="en-US" dirty="0"/>
+              <a:rPr lang="en-US" dirty="0"/>
+              <a:t>Merging Attributes</a:t>
+            </a:r>
           </a:p>
         </p:txBody>
       </p:sp>
@@ -16630,7 +18299,41 @@
           <a:p>
             <a:r>
               <a:rPr lang="en-US" dirty="0"/>
-              <a:t>Open tasks</a:t>
+              <a:t>Use Case 2: Merge date parts</a:t>
+            </a:r>
+          </a:p>
+        </p:txBody>
+      </p:sp>
+      <p:sp>
+        <p:nvSpPr>
+          <p:cNvPr id="8" name="Rechteck 7">
+            <a:extLst>
+              <a:ext uri="{FF2B5EF4-FFF2-40B4-BE49-F238E27FC236}">
+                <a16:creationId xmlns:a16="http://schemas.microsoft.com/office/drawing/2014/main" id="{6566F439-4410-47BC-B0E3-07D9656C2E13}"/>
+              </a:ext>
+            </a:extLst>
+          </p:cNvPr>
+          <p:cNvSpPr/>
+          <p:nvPr/>
+        </p:nvSpPr>
+        <p:spPr>
+          <a:xfrm>
+            <a:off x="389191" y="1248331"/>
+            <a:ext cx="5832648" cy="338554"/>
+          </a:xfrm>
+          <a:prstGeom prst="rect">
+            <a:avLst/>
+          </a:prstGeom>
+        </p:spPr>
+        <p:txBody>
+          <a:bodyPr wrap="square">
+            <a:spAutoFit/>
+          </a:bodyPr>
+          <a:lstStyle/>
+          <a:p>
+            <a:r>
+              <a:rPr lang="en-US" sz="1600" dirty="0"/>
+              <a:t>Identifying date parts: Days, Months, Years</a:t>
             </a:r>
           </a:p>
         </p:txBody>
@@ -16638,7 +18341,7 @@
     </p:spTree>
     <p:extLst>
       <p:ext uri="{BB962C8B-B14F-4D97-AF65-F5344CB8AC3E}">
-        <p14:creationId xmlns:p14="http://schemas.microsoft.com/office/powerpoint/2010/main" val="4165448768"/>
+        <p14:creationId xmlns:p14="http://schemas.microsoft.com/office/powerpoint/2010/main" val="1641679159"/>
       </p:ext>
     </p:extLst>
   </p:cSld>
@@ -16670,10 +18373,10 @@
       </p:grpSpPr>
       <p:sp>
         <p:nvSpPr>
-          <p:cNvPr id="2" name="Textplatzhalter 1">
+          <p:cNvPr id="3" name="Datumsplatzhalter 2">
             <a:extLst>
               <a:ext uri="{FF2B5EF4-FFF2-40B4-BE49-F238E27FC236}">
-                <a16:creationId xmlns:a16="http://schemas.microsoft.com/office/drawing/2014/main" id="{32B83C09-FE1F-46A1-8020-B1FA874853E4}"/>
+                <a16:creationId xmlns:a16="http://schemas.microsoft.com/office/drawing/2014/main" id="{DE149911-E045-4B6C-A79E-A4C763EE50A6}"/>
               </a:ext>
             </a:extLst>
           </p:cNvPr>
@@ -16681,7 +18384,7 @@
             <a:spLocks noGrp="1"/>
           </p:cNvSpPr>
           <p:nvPr>
-            <p:ph type="body" sz="quarter" idx="13"/>
+            <p:ph type="dt" sz="half" idx="14"/>
           </p:nvPr>
         </p:nvSpPr>
         <p:spPr/>
@@ -16690,22 +18393,31 @@
           <a:lstStyle/>
           <a:p>
             <a:r>
+              <a:rPr lang="en-US" dirty="0"/>
+              <a:t>Felix </a:t>
+            </a:r>
+            <a:r>
               <a:rPr lang="en-US" dirty="0" err="1"/>
-              <a:t>Hier</a:t>
+              <a:t>Grzelka</a:t>
             </a:r>
             <a:r>
               <a:rPr lang="en-US" dirty="0"/>
-              <a:t> Excel picture to summarize functions</a:t>
-            </a:r>
-          </a:p>
-        </p:txBody>
-      </p:sp>
-      <p:sp>
-        <p:nvSpPr>
-          <p:cNvPr id="3" name="Datumsplatzhalter 2">
+              <a:t>, Margaux </a:t>
+            </a:r>
+            <a:r>
+              <a:rPr lang="en-US" dirty="0" err="1"/>
+              <a:t>Gatrio</a:t>
+            </a:r>
+            <a:endParaRPr lang="en-US" dirty="0"/>
+          </a:p>
+        </p:txBody>
+      </p:sp>
+      <p:sp>
+        <p:nvSpPr>
+          <p:cNvPr id="4" name="Fußzeilenplatzhalter 3">
             <a:extLst>
               <a:ext uri="{FF2B5EF4-FFF2-40B4-BE49-F238E27FC236}">
-                <a16:creationId xmlns:a16="http://schemas.microsoft.com/office/drawing/2014/main" id="{ABB64A4D-36C0-49CE-9738-AAA1E22C6BD6}"/>
+                <a16:creationId xmlns:a16="http://schemas.microsoft.com/office/drawing/2014/main" id="{DE098D6F-D0E1-41FA-98DE-D539BA67D312}"/>
               </a:ext>
             </a:extLst>
           </p:cNvPr>
@@ -16713,7 +18425,7 @@
             <a:spLocks noGrp="1"/>
           </p:cNvSpPr>
           <p:nvPr>
-            <p:ph type="dt" sz="half" idx="14"/>
+            <p:ph type="ftr" sz="quarter" idx="15"/>
           </p:nvPr>
         </p:nvSpPr>
         <p:spPr/>
@@ -16722,39 +18434,9 @@
           <a:lstStyle/>
           <a:p>
             <a:r>
-              <a:rPr lang="en-US"/>
-              <a:t>Speaker, Job Description, Date if needed</a:t>
-            </a:r>
-            <a:endParaRPr lang="en-US" dirty="0"/>
-          </a:p>
-        </p:txBody>
-      </p:sp>
-      <p:sp>
-        <p:nvSpPr>
-          <p:cNvPr id="4" name="Fußzeilenplatzhalter 3">
-            <a:extLst>
-              <a:ext uri="{FF2B5EF4-FFF2-40B4-BE49-F238E27FC236}">
-                <a16:creationId xmlns:a16="http://schemas.microsoft.com/office/drawing/2014/main" id="{69CADC62-A632-4E4D-BAB3-B3A6E7C9011A}"/>
-              </a:ext>
-            </a:extLst>
-          </p:cNvPr>
-          <p:cNvSpPr>
-            <a:spLocks noGrp="1"/>
-          </p:cNvSpPr>
-          <p:nvPr>
-            <p:ph type="ftr" sz="quarter" idx="15"/>
-          </p:nvPr>
-        </p:nvSpPr>
-        <p:spPr/>
-        <p:txBody>
-          <a:bodyPr/>
-          <a:lstStyle/>
-          <a:p>
-            <a:r>
-              <a:rPr lang="en-US"/>
-              <a:t>Presentation Title</a:t>
-            </a:r>
-            <a:endParaRPr lang="en-US" dirty="0"/>
+              <a:rPr lang="en-US" dirty="0"/>
+              <a:t>Merging Attributes</a:t>
+            </a:r>
           </a:p>
         </p:txBody>
       </p:sp>
@@ -16763,7 +18445,7 @@
           <p:cNvPr id="5" name="Foliennummernplatzhalter 4">
             <a:extLst>
               <a:ext uri="{FF2B5EF4-FFF2-40B4-BE49-F238E27FC236}">
-                <a16:creationId xmlns:a16="http://schemas.microsoft.com/office/drawing/2014/main" id="{1AA79446-A52B-4DAB-802C-673114152BDE}"/>
+                <a16:creationId xmlns:a16="http://schemas.microsoft.com/office/drawing/2014/main" id="{50942F96-BF0D-45AE-85DC-EC3384BBF069}"/>
               </a:ext>
             </a:extLst>
           </p:cNvPr>
@@ -16797,7 +18479,7 @@
           <p:cNvPr id="6" name="Titel 5">
             <a:extLst>
               <a:ext uri="{FF2B5EF4-FFF2-40B4-BE49-F238E27FC236}">
-                <a16:creationId xmlns:a16="http://schemas.microsoft.com/office/drawing/2014/main" id="{90DBCB8A-71C6-45C3-B574-382F0DD189CA}"/>
+                <a16:creationId xmlns:a16="http://schemas.microsoft.com/office/drawing/2014/main" id="{310A6ED7-F985-4FC9-8336-62223882B5FB}"/>
               </a:ext>
             </a:extLst>
           </p:cNvPr>
@@ -16814,17 +18496,114 @@
           <a:lstStyle/>
           <a:p>
             <a:r>
-              <a:rPr lang="de-DE" dirty="0"/>
-              <a:t>Summary</a:t>
-            </a:r>
-            <a:endParaRPr lang="en-US" dirty="0"/>
-          </a:p>
-        </p:txBody>
-      </p:sp>
+              <a:rPr lang="en-US" dirty="0"/>
+              <a:t>Merge date parts – Column Semantics</a:t>
+            </a:r>
+          </a:p>
+        </p:txBody>
+      </p:sp>
+      <p:sp>
+        <p:nvSpPr>
+          <p:cNvPr id="7" name="Rechteck 6">
+            <a:extLst>
+              <a:ext uri="{FF2B5EF4-FFF2-40B4-BE49-F238E27FC236}">
+                <a16:creationId xmlns:a16="http://schemas.microsoft.com/office/drawing/2014/main" id="{63536F86-30E6-47E7-A61C-C470A7D6637F}"/>
+              </a:ext>
+            </a:extLst>
+          </p:cNvPr>
+          <p:cNvSpPr/>
+          <p:nvPr/>
+        </p:nvSpPr>
+        <p:spPr>
+          <a:xfrm>
+            <a:off x="358777" y="1297165"/>
+            <a:ext cx="7058024" cy="3139321"/>
+          </a:xfrm>
+          <a:prstGeom prst="rect">
+            <a:avLst/>
+          </a:prstGeom>
+        </p:spPr>
+        <p:txBody>
+          <a:bodyPr wrap="square">
+            <a:spAutoFit/>
+          </a:bodyPr>
+          <a:lstStyle/>
+          <a:p>
+            <a:r>
+              <a:rPr lang="en-US" sz="1600" dirty="0"/>
+              <a:t>Check columns semantics?</a:t>
+            </a:r>
+            <a:endParaRPr lang="de-DE" sz="1600" dirty="0"/>
+          </a:p>
+          <a:p>
+            <a:endParaRPr lang="de-DE" sz="1400" dirty="0"/>
+          </a:p>
+          <a:p>
+            <a:endParaRPr lang="de-DE" sz="1400" dirty="0"/>
+          </a:p>
+          <a:p>
+            <a:endParaRPr lang="de-DE" sz="1400" dirty="0"/>
+          </a:p>
+          <a:p>
+            <a:endParaRPr lang="en-US" sz="1400" dirty="0"/>
+          </a:p>
+          <a:p>
+            <a:endParaRPr lang="de-DE" dirty="0"/>
+          </a:p>
+          <a:p>
+            <a:endParaRPr lang="de-DE" dirty="0"/>
+          </a:p>
+          <a:p>
+            <a:endParaRPr lang="de-DE" dirty="0"/>
+          </a:p>
+          <a:p>
+            <a:endParaRPr lang="de-DE" dirty="0"/>
+          </a:p>
+          <a:p>
+            <a:endParaRPr lang="de-DE" dirty="0"/>
+          </a:p>
+          <a:p>
+            <a:endParaRPr lang="de-DE" dirty="0"/>
+          </a:p>
+          <a:p>
+            <a:endParaRPr lang="de-DE" dirty="0"/>
+          </a:p>
+        </p:txBody>
+      </p:sp>
+      <p:pic>
+        <p:nvPicPr>
+          <p:cNvPr id="9" name="Grafik 8">
+            <a:extLst>
+              <a:ext uri="{FF2B5EF4-FFF2-40B4-BE49-F238E27FC236}">
+                <a16:creationId xmlns:a16="http://schemas.microsoft.com/office/drawing/2014/main" id="{EA745B6A-95B4-4BDA-A2FB-092A74C54495}"/>
+              </a:ext>
+            </a:extLst>
+          </p:cNvPr>
+          <p:cNvPicPr>
+            <a:picLocks noChangeAspect="1"/>
+          </p:cNvPicPr>
+          <p:nvPr/>
+        </p:nvPicPr>
+        <p:blipFill>
+          <a:blip r:embed="rId3"/>
+          <a:stretch>
+            <a:fillRect/>
+          </a:stretch>
+        </p:blipFill>
+        <p:spPr>
+          <a:xfrm>
+            <a:off x="358777" y="1770261"/>
+            <a:ext cx="7391400" cy="1962150"/>
+          </a:xfrm>
+          <a:prstGeom prst="rect">
+            <a:avLst/>
+          </a:prstGeom>
+        </p:spPr>
+      </p:pic>
     </p:spTree>
     <p:extLst>
       <p:ext uri="{BB962C8B-B14F-4D97-AF65-F5344CB8AC3E}">
-        <p14:creationId xmlns:p14="http://schemas.microsoft.com/office/powerpoint/2010/main" val="1883855532"/>
+        <p14:creationId xmlns:p14="http://schemas.microsoft.com/office/powerpoint/2010/main" val="923622569"/>
       </p:ext>
     </p:extLst>
   </p:cSld>

--- a/Grand_Präsi.pptx
+++ b/Grand_Präsi.pptx
@@ -2760,7 +2760,7 @@
             <a:fld id="{4CBF50E3-ED67-46F2-ABFC-A36EE1082CF7}" type="slidenum">
               <a:rPr lang="en-US" b="1" smtClean="0"/>
               <a:pPr/>
-              <a:t>15</a:t>
+              <a:t>14</a:t>
             </a:fld>
             <a:endParaRPr lang="en-US" b="1" dirty="0"/>
           </a:p>
@@ -2769,7 +2769,7 @@
     </p:spTree>
     <p:extLst>
       <p:ext uri="{BB962C8B-B14F-4D97-AF65-F5344CB8AC3E}">
-        <p14:creationId xmlns:p14="http://schemas.microsoft.com/office/powerpoint/2010/main" val="1254936349"/>
+        <p14:creationId xmlns:p14="http://schemas.microsoft.com/office/powerpoint/2010/main" val="577263827"/>
       </p:ext>
     </p:extLst>
   </p:cSld>
@@ -2798,7 +2798,7 @@
       </p:grpSpPr>
       <p:sp>
         <p:nvSpPr>
-          <p:cNvPr id="2" name="Slide Image Placeholder 1"/>
+          <p:cNvPr id="8" name="Slide Image Placeholder 7"/>
           <p:cNvSpPr>
             <a:spLocks noGrp="1" noRot="1" noChangeAspect="1"/>
           </p:cNvSpPr>
@@ -2806,7 +2806,7 @@
             <p:ph type="sldImg"/>
           </p:nvPr>
         </p:nvSpPr>
-        <p:spPr>
+        <p:spPr bwMode="gray">
           <a:xfrm>
             <a:off x="876300" y="885825"/>
             <a:ext cx="5576888" cy="3136900"/>
@@ -2815,7 +2815,7 @@
       </p:sp>
       <p:sp>
         <p:nvSpPr>
-          <p:cNvPr id="3" name="Notes Placeholder 2"/>
+          <p:cNvPr id="9" name="Notes Placeholder 8"/>
           <p:cNvSpPr>
             <a:spLocks noGrp="1"/>
           </p:cNvSpPr>
@@ -2823,7 +2823,7 @@
             <p:ph type="body" idx="1"/>
           </p:nvPr>
         </p:nvSpPr>
-        <p:spPr/>
+        <p:spPr bwMode="gray"/>
         <p:txBody>
           <a:bodyPr/>
           <a:lstStyle/>
@@ -2834,7 +2834,7 @@
       </p:sp>
       <p:sp>
         <p:nvSpPr>
-          <p:cNvPr id="4" name="Slide Number Placeholder 3"/>
+          <p:cNvPr id="10" name="Slide Number Placeholder 9"/>
           <p:cNvSpPr>
             <a:spLocks noGrp="1"/>
           </p:cNvSpPr>
@@ -2854,7 +2854,7 @@
             <a:fld id="{4CBF50E3-ED67-46F2-ABFC-A36EE1082CF7}" type="slidenum">
               <a:rPr lang="en-US" b="1" smtClean="0"/>
               <a:pPr/>
-              <a:t>16</a:t>
+              <a:t>15</a:t>
             </a:fld>
             <a:endParaRPr lang="en-US" b="1" dirty="0"/>
           </a:p>
@@ -2863,7 +2863,7 @@
     </p:spTree>
     <p:extLst>
       <p:ext uri="{BB962C8B-B14F-4D97-AF65-F5344CB8AC3E}">
-        <p14:creationId xmlns:p14="http://schemas.microsoft.com/office/powerpoint/2010/main" val="1584324230"/>
+        <p14:creationId xmlns:p14="http://schemas.microsoft.com/office/powerpoint/2010/main" val="1254936349"/>
       </p:ext>
     </p:extLst>
   </p:cSld>
@@ -2948,7 +2948,7 @@
             <a:fld id="{4CBF50E3-ED67-46F2-ABFC-A36EE1082CF7}" type="slidenum">
               <a:rPr lang="en-US" b="1" smtClean="0"/>
               <a:pPr/>
-              <a:t>17</a:t>
+              <a:t>16</a:t>
             </a:fld>
             <a:endParaRPr lang="en-US" b="1" dirty="0"/>
           </a:p>
@@ -2957,7 +2957,7 @@
     </p:spTree>
     <p:extLst>
       <p:ext uri="{BB962C8B-B14F-4D97-AF65-F5344CB8AC3E}">
-        <p14:creationId xmlns:p14="http://schemas.microsoft.com/office/powerpoint/2010/main" val="128533741"/>
+        <p14:creationId xmlns:p14="http://schemas.microsoft.com/office/powerpoint/2010/main" val="1584324230"/>
       </p:ext>
     </p:extLst>
   </p:cSld>
@@ -3042,6 +3042,100 @@
             <a:fld id="{4CBF50E3-ED67-46F2-ABFC-A36EE1082CF7}" type="slidenum">
               <a:rPr lang="en-US" b="1" smtClean="0"/>
               <a:pPr/>
+              <a:t>17</a:t>
+            </a:fld>
+            <a:endParaRPr lang="en-US" b="1" dirty="0"/>
+          </a:p>
+        </p:txBody>
+      </p:sp>
+    </p:spTree>
+    <p:extLst>
+      <p:ext uri="{BB962C8B-B14F-4D97-AF65-F5344CB8AC3E}">
+        <p14:creationId xmlns:p14="http://schemas.microsoft.com/office/powerpoint/2010/main" val="128533741"/>
+      </p:ext>
+    </p:extLst>
+  </p:cSld>
+  <p:clrMapOvr>
+    <a:masterClrMapping/>
+  </p:clrMapOvr>
+</p:notes>
+</file>
+
+<file path=ppt/notesSlides/notesSlide14.xml><?xml version="1.0" encoding="utf-8"?>
+<p:notes xmlns:a="http://schemas.openxmlformats.org/drawingml/2006/main" xmlns:r="http://schemas.openxmlformats.org/officeDocument/2006/relationships" xmlns:p="http://schemas.openxmlformats.org/presentationml/2006/main">
+  <p:cSld>
+    <p:spTree>
+      <p:nvGrpSpPr>
+        <p:cNvPr id="1" name=""/>
+        <p:cNvGrpSpPr/>
+        <p:nvPr/>
+      </p:nvGrpSpPr>
+      <p:grpSpPr>
+        <a:xfrm>
+          <a:off x="0" y="0"/>
+          <a:ext cx="0" cy="0"/>
+          <a:chOff x="0" y="0"/>
+          <a:chExt cx="0" cy="0"/>
+        </a:xfrm>
+      </p:grpSpPr>
+      <p:sp>
+        <p:nvSpPr>
+          <p:cNvPr id="2" name="Slide Image Placeholder 1"/>
+          <p:cNvSpPr>
+            <a:spLocks noGrp="1" noRot="1" noChangeAspect="1"/>
+          </p:cNvSpPr>
+          <p:nvPr>
+            <p:ph type="sldImg"/>
+          </p:nvPr>
+        </p:nvSpPr>
+        <p:spPr>
+          <a:xfrm>
+            <a:off x="876300" y="885825"/>
+            <a:ext cx="5576888" cy="3136900"/>
+          </a:xfrm>
+        </p:spPr>
+      </p:sp>
+      <p:sp>
+        <p:nvSpPr>
+          <p:cNvPr id="3" name="Notes Placeholder 2"/>
+          <p:cNvSpPr>
+            <a:spLocks noGrp="1"/>
+          </p:cNvSpPr>
+          <p:nvPr>
+            <p:ph type="body" idx="1"/>
+          </p:nvPr>
+        </p:nvSpPr>
+        <p:spPr/>
+        <p:txBody>
+          <a:bodyPr/>
+          <a:lstStyle/>
+          <a:p>
+            <a:endParaRPr lang="en-US"/>
+          </a:p>
+        </p:txBody>
+      </p:sp>
+      <p:sp>
+        <p:nvSpPr>
+          <p:cNvPr id="4" name="Slide Number Placeholder 3"/>
+          <p:cNvSpPr>
+            <a:spLocks noGrp="1"/>
+          </p:cNvSpPr>
+          <p:nvPr>
+            <p:ph type="sldNum" sz="quarter" idx="10"/>
+          </p:nvPr>
+        </p:nvSpPr>
+        <p:spPr/>
+        <p:txBody>
+          <a:bodyPr/>
+          <a:lstStyle/>
+          <a:p>
+            <a:r>
+              <a:rPr lang="en-US"/>
+              <a:t>Chart </a:t>
+            </a:r>
+            <a:fld id="{4CBF50E3-ED67-46F2-ABFC-A36EE1082CF7}" type="slidenum">
+              <a:rPr lang="en-US" b="1" smtClean="0"/>
+              <a:pPr/>
               <a:t>18</a:t>
             </a:fld>
             <a:endParaRPr lang="en-US" b="1" dirty="0"/>
@@ -3061,7 +3155,7 @@
 </p:notes>
 </file>
 
-<file path=ppt/notesSlides/notesSlide14.xml><?xml version="1.0" encoding="utf-8"?>
+<file path=ppt/notesSlides/notesSlide15.xml><?xml version="1.0" encoding="utf-8"?>
 <p:notes xmlns:a="http://schemas.openxmlformats.org/drawingml/2006/main" xmlns:r="http://schemas.openxmlformats.org/officeDocument/2006/relationships" xmlns:p="http://schemas.openxmlformats.org/presentationml/2006/main">
   <p:cSld>
     <p:spTree>
@@ -3801,6 +3895,34 @@
           <a:bodyPr/>
           <a:lstStyle/>
           <a:p>
+            <a:r>
+              <a:rPr lang="de-DE" dirty="0" err="1"/>
+              <a:t>Implemented</a:t>
+            </a:r>
+            <a:r>
+              <a:rPr lang="de-DE" dirty="0"/>
+              <a:t> </a:t>
+            </a:r>
+            <a:r>
+              <a:rPr lang="de-DE" dirty="0" err="1"/>
+              <a:t>as</a:t>
+            </a:r>
+            <a:r>
+              <a:rPr lang="de-DE" dirty="0"/>
+              <a:t> a </a:t>
+            </a:r>
+            <a:r>
+              <a:rPr lang="de-DE" dirty="0" err="1"/>
+              <a:t>second</a:t>
+            </a:r>
+            <a:r>
+              <a:rPr lang="de-DE" dirty="0"/>
+              <a:t> </a:t>
+            </a:r>
+            <a:r>
+              <a:rPr lang="de-DE" dirty="0" err="1"/>
+              <a:t>prep</a:t>
+            </a:r>
             <a:endParaRPr lang="en-US" dirty="0"/>
           </a:p>
         </p:txBody>
@@ -3827,7 +3949,7 @@
             <a:fld id="{4CBF50E3-ED67-46F2-ABFC-A36EE1082CF7}" type="slidenum">
               <a:rPr lang="en-US" b="1" smtClean="0"/>
               <a:pPr/>
-              <a:t>9</a:t>
+              <a:t>8</a:t>
             </a:fld>
             <a:endParaRPr lang="en-US" b="1" dirty="0"/>
           </a:p>
@@ -3836,7 +3958,7 @@
     </p:spTree>
     <p:extLst>
       <p:ext uri="{BB962C8B-B14F-4D97-AF65-F5344CB8AC3E}">
-        <p14:creationId xmlns:p14="http://schemas.microsoft.com/office/powerpoint/2010/main" val="3872117249"/>
+        <p14:creationId xmlns:p14="http://schemas.microsoft.com/office/powerpoint/2010/main" val="3368534962"/>
       </p:ext>
     </p:extLst>
   </p:cSld>
@@ -3895,28 +4017,7 @@
           <a:bodyPr/>
           <a:lstStyle/>
           <a:p>
-            <a:r>
-              <a:rPr lang="de-DE" dirty="0"/>
-              <a:t>L</a:t>
-            </a:r>
-            <a:r>
-              <a:rPr lang="en-US" dirty="0" err="1"/>
-              <a:t>ongest</a:t>
-            </a:r>
-            <a:r>
-              <a:rPr lang="en-US" dirty="0"/>
-              <a:t> common substring</a:t>
-            </a:r>
-          </a:p>
-          <a:p>
-            <a:r>
-              <a:rPr lang="de-DE" dirty="0"/>
-              <a:t>A</a:t>
-            </a:r>
-            <a:r>
-              <a:rPr lang="en-US" dirty="0"/>
-              <a:t>analyze of Null values (scoring via cross joins)</a:t>
-            </a:r>
+            <a:endParaRPr lang="en-US" dirty="0"/>
           </a:p>
         </p:txBody>
       </p:sp>
@@ -3942,7 +4043,7 @@
             <a:fld id="{4CBF50E3-ED67-46F2-ABFC-A36EE1082CF7}" type="slidenum">
               <a:rPr lang="en-US" b="1" smtClean="0"/>
               <a:pPr/>
-              <a:t>10</a:t>
+              <a:t>9</a:t>
             </a:fld>
             <a:endParaRPr lang="en-US" b="1" dirty="0"/>
           </a:p>
@@ -3951,7 +4052,7 @@
     </p:spTree>
     <p:extLst>
       <p:ext uri="{BB962C8B-B14F-4D97-AF65-F5344CB8AC3E}">
-        <p14:creationId xmlns:p14="http://schemas.microsoft.com/office/powerpoint/2010/main" val="3657686883"/>
+        <p14:creationId xmlns:p14="http://schemas.microsoft.com/office/powerpoint/2010/main" val="3872117249"/>
       </p:ext>
     </p:extLst>
   </p:cSld>
@@ -3980,7 +4081,7 @@
       </p:grpSpPr>
       <p:sp>
         <p:nvSpPr>
-          <p:cNvPr id="8" name="Slide Image Placeholder 7"/>
+          <p:cNvPr id="2" name="Folienbildplatzhalter 1"/>
           <p:cNvSpPr>
             <a:spLocks noGrp="1" noRot="1" noChangeAspect="1"/>
           </p:cNvSpPr>
@@ -3988,7 +4089,7 @@
             <p:ph type="sldImg"/>
           </p:nvPr>
         </p:nvSpPr>
-        <p:spPr bwMode="gray">
+        <p:spPr>
           <a:xfrm>
             <a:off x="876300" y="885825"/>
             <a:ext cx="5576888" cy="3136900"/>
@@ -3997,7 +4098,7 @@
       </p:sp>
       <p:sp>
         <p:nvSpPr>
-          <p:cNvPr id="9" name="Notes Placeholder 8"/>
+          <p:cNvPr id="3" name="Notizenplatzhalter 2"/>
           <p:cNvSpPr>
             <a:spLocks noGrp="1"/>
           </p:cNvSpPr>
@@ -4005,23 +4106,48 @@
             <p:ph type="body" idx="1"/>
           </p:nvPr>
         </p:nvSpPr>
-        <p:spPr bwMode="gray"/>
+        <p:spPr/>
         <p:txBody>
           <a:bodyPr/>
           <a:lstStyle/>
           <a:p>
-            <a:endParaRPr lang="en-US"/>
-          </a:p>
-        </p:txBody>
-      </p:sp>
-      <p:sp>
-        <p:nvSpPr>
-          <p:cNvPr id="10" name="Slide Number Placeholder 9"/>
-          <p:cNvSpPr>
-            <a:spLocks noGrp="1"/>
-          </p:cNvSpPr>
-          <p:nvPr>
-            <p:ph type="sldNum" sz="quarter" idx="10"/>
+            <a:r>
+              <a:rPr lang="de-DE" dirty="0"/>
+              <a:t>L</a:t>
+            </a:r>
+            <a:r>
+              <a:rPr lang="en-US" dirty="0" err="1"/>
+              <a:t>ongest</a:t>
+            </a:r>
+            <a:r>
+              <a:rPr lang="en-US" dirty="0"/>
+              <a:t> common substring</a:t>
+            </a:r>
+          </a:p>
+          <a:p>
+            <a:r>
+              <a:rPr lang="de-DE" dirty="0"/>
+              <a:t>A</a:t>
+            </a:r>
+            <a:r>
+              <a:rPr lang="en-US" dirty="0" err="1"/>
+              <a:t>nalyze</a:t>
+            </a:r>
+            <a:r>
+              <a:rPr lang="en-US" dirty="0"/>
+              <a:t> of Null values (scoring via cross joins)</a:t>
+            </a:r>
+          </a:p>
+        </p:txBody>
+      </p:sp>
+      <p:sp>
+        <p:nvSpPr>
+          <p:cNvPr id="4" name="Foliennummernplatzhalter 3"/>
+          <p:cNvSpPr>
+            <a:spLocks noGrp="1"/>
+          </p:cNvSpPr>
+          <p:nvPr>
+            <p:ph type="sldNum" sz="quarter" idx="5"/>
           </p:nvPr>
         </p:nvSpPr>
         <p:spPr/>
@@ -4036,7 +4162,7 @@
             <a:fld id="{4CBF50E3-ED67-46F2-ABFC-A36EE1082CF7}" type="slidenum">
               <a:rPr lang="en-US" b="1" smtClean="0"/>
               <a:pPr/>
-              <a:t>12</a:t>
+              <a:t>10</a:t>
             </a:fld>
             <a:endParaRPr lang="en-US" b="1" dirty="0"/>
           </a:p>
@@ -4045,7 +4171,7 @@
     </p:spTree>
     <p:extLst>
       <p:ext uri="{BB962C8B-B14F-4D97-AF65-F5344CB8AC3E}">
-        <p14:creationId xmlns:p14="http://schemas.microsoft.com/office/powerpoint/2010/main" val="1915773074"/>
+        <p14:creationId xmlns:p14="http://schemas.microsoft.com/office/powerpoint/2010/main" val="3657686883"/>
       </p:ext>
     </p:extLst>
   </p:cSld>
@@ -4074,7 +4200,7 @@
       </p:grpSpPr>
       <p:sp>
         <p:nvSpPr>
-          <p:cNvPr id="6" name="Slide Image Placeholder 5"/>
+          <p:cNvPr id="8" name="Slide Image Placeholder 7"/>
           <p:cNvSpPr>
             <a:spLocks noGrp="1" noRot="1" noChangeAspect="1"/>
           </p:cNvSpPr>
@@ -4091,7 +4217,7 @@
       </p:sp>
       <p:sp>
         <p:nvSpPr>
-          <p:cNvPr id="7" name="Notes Placeholder 6"/>
+          <p:cNvPr id="9" name="Notes Placeholder 8"/>
           <p:cNvSpPr>
             <a:spLocks noGrp="1"/>
           </p:cNvSpPr>
@@ -4130,7 +4256,7 @@
             <a:fld id="{4CBF50E3-ED67-46F2-ABFC-A36EE1082CF7}" type="slidenum">
               <a:rPr lang="en-US" b="1" smtClean="0"/>
               <a:pPr/>
-              <a:t>13</a:t>
+              <a:t>12</a:t>
             </a:fld>
             <a:endParaRPr lang="en-US" b="1" dirty="0"/>
           </a:p>
@@ -4139,7 +4265,7 @@
     </p:spTree>
     <p:extLst>
       <p:ext uri="{BB962C8B-B14F-4D97-AF65-F5344CB8AC3E}">
-        <p14:creationId xmlns:p14="http://schemas.microsoft.com/office/powerpoint/2010/main" val="570977232"/>
+        <p14:creationId xmlns:p14="http://schemas.microsoft.com/office/powerpoint/2010/main" val="1915773074"/>
       </p:ext>
     </p:extLst>
   </p:cSld>
@@ -4168,7 +4294,7 @@
       </p:grpSpPr>
       <p:sp>
         <p:nvSpPr>
-          <p:cNvPr id="8" name="Slide Image Placeholder 7"/>
+          <p:cNvPr id="6" name="Slide Image Placeholder 5"/>
           <p:cNvSpPr>
             <a:spLocks noGrp="1" noRot="1" noChangeAspect="1"/>
           </p:cNvSpPr>
@@ -4185,7 +4311,7 @@
       </p:sp>
       <p:sp>
         <p:nvSpPr>
-          <p:cNvPr id="9" name="Notes Placeholder 8"/>
+          <p:cNvPr id="7" name="Notes Placeholder 6"/>
           <p:cNvSpPr>
             <a:spLocks noGrp="1"/>
           </p:cNvSpPr>
@@ -4224,7 +4350,7 @@
             <a:fld id="{4CBF50E3-ED67-46F2-ABFC-A36EE1082CF7}" type="slidenum">
               <a:rPr lang="en-US" b="1" smtClean="0"/>
               <a:pPr/>
-              <a:t>14</a:t>
+              <a:t>13</a:t>
             </a:fld>
             <a:endParaRPr lang="en-US" b="1" dirty="0"/>
           </a:p>
@@ -4233,7 +4359,7 @@
     </p:spTree>
     <p:extLst>
       <p:ext uri="{BB962C8B-B14F-4D97-AF65-F5344CB8AC3E}">
-        <p14:creationId xmlns:p14="http://schemas.microsoft.com/office/powerpoint/2010/main" val="577263827"/>
+        <p14:creationId xmlns:p14="http://schemas.microsoft.com/office/powerpoint/2010/main" val="570977232"/>
       </p:ext>
     </p:extLst>
   </p:cSld>
@@ -18158,7 +18284,7 @@
           <p:nvPr/>
         </p:nvPicPr>
         <p:blipFill>
-          <a:blip r:embed="rId2"/>
+          <a:blip r:embed="rId3"/>
           <a:stretch>
             <a:fillRect/>
           </a:stretch>
@@ -18572,10 +18698,10 @@
       </p:sp>
       <p:pic>
         <p:nvPicPr>
-          <p:cNvPr id="9" name="Grafik 8">
+          <p:cNvPr id="2" name="Grafik 1">
             <a:extLst>
               <a:ext uri="{FF2B5EF4-FFF2-40B4-BE49-F238E27FC236}">
-                <a16:creationId xmlns:a16="http://schemas.microsoft.com/office/drawing/2014/main" id="{EA745B6A-95B4-4BDA-A2FB-092A74C54495}"/>
+                <a16:creationId xmlns:a16="http://schemas.microsoft.com/office/drawing/2014/main" id="{E7BA6312-DBE5-4CAF-A16A-885794848D84}"/>
               </a:ext>
             </a:extLst>
           </p:cNvPr>
@@ -18592,8 +18718,8 @@
         </p:blipFill>
         <p:spPr>
           <a:xfrm>
-            <a:off x="358777" y="1770261"/>
-            <a:ext cx="7391400" cy="1962150"/>
+            <a:off x="539552" y="1847848"/>
+            <a:ext cx="6696275" cy="3112677"/>
           </a:xfrm>
           <a:prstGeom prst="rect">
             <a:avLst/>
